--- a/iod_mini_project_crime_data.pptx
+++ b/iod_mini_project_crime_data.pptx
@@ -5,24 +5,27 @@
     <p:sldMasterId id="2147483660" r:id="rId4"/>
   </p:sldMasterIdLst>
   <p:notesMasterIdLst>
-    <p:notesMasterId r:id="rId20"/>
+    <p:notesMasterId r:id="rId23"/>
   </p:notesMasterIdLst>
   <p:sldIdLst>
     <p:sldId id="278" r:id="rId5"/>
     <p:sldId id="279" r:id="rId6"/>
-    <p:sldId id="295" r:id="rId7"/>
-    <p:sldId id="280" r:id="rId8"/>
-    <p:sldId id="281" r:id="rId9"/>
-    <p:sldId id="282" r:id="rId10"/>
-    <p:sldId id="283" r:id="rId11"/>
-    <p:sldId id="284" r:id="rId12"/>
-    <p:sldId id="285" r:id="rId13"/>
-    <p:sldId id="286" r:id="rId14"/>
-    <p:sldId id="287" r:id="rId15"/>
-    <p:sldId id="288" r:id="rId16"/>
-    <p:sldId id="289" r:id="rId17"/>
-    <p:sldId id="290" r:id="rId18"/>
-    <p:sldId id="293" r:id="rId19"/>
+    <p:sldId id="298" r:id="rId7"/>
+    <p:sldId id="295" r:id="rId8"/>
+    <p:sldId id="280" r:id="rId9"/>
+    <p:sldId id="281" r:id="rId10"/>
+    <p:sldId id="284" r:id="rId11"/>
+    <p:sldId id="282" r:id="rId12"/>
+    <p:sldId id="283" r:id="rId13"/>
+    <p:sldId id="285" r:id="rId14"/>
+    <p:sldId id="286" r:id="rId15"/>
+    <p:sldId id="287" r:id="rId16"/>
+    <p:sldId id="288" r:id="rId17"/>
+    <p:sldId id="296" r:id="rId18"/>
+    <p:sldId id="289" r:id="rId19"/>
+    <p:sldId id="290" r:id="rId20"/>
+    <p:sldId id="293" r:id="rId21"/>
+    <p:sldId id="299" r:id="rId22"/>
   </p:sldIdLst>
   <p:sldSz cx="12192000" cy="6858000"/>
   <p:notesSz cx="6858000" cy="9144000"/>
@@ -132,7 +135,7 @@
 <file path=ppt/revisionInfo.xml><?xml version="1.0" encoding="utf-8"?>
 <p1510:revInfo xmlns:a="http://schemas.openxmlformats.org/drawingml/2006/main" xmlns:r="http://schemas.openxmlformats.org/officeDocument/2006/relationships" xmlns:p1510="http://schemas.microsoft.com/office/powerpoint/2015/10/main">
   <p1510:revLst>
-    <p1510:client id="{7E51EC2A-058E-4F01-B103-E2C797C0BC7C}" v="3" dt="2022-04-25T23:21:21.606"/>
+    <p1510:client id="{7E51EC2A-058E-4F01-B103-E2C797C0BC7C}" v="6" dt="2022-04-27T23:01:21.293"/>
   </p1510:revLst>
 </p1510:revInfo>
 </file>
@@ -141,8 +144,8 @@
 <pc:chgInfo xmlns:a="http://schemas.openxmlformats.org/drawingml/2006/main" xmlns:r="http://schemas.openxmlformats.org/officeDocument/2006/relationships" xmlns:ac="http://schemas.microsoft.com/office/drawing/2013/main/command" xmlns:pc="http://schemas.microsoft.com/office/powerpoint/2013/main/command">
   <pc:docChgLst>
     <pc:chgData name="Sebastian Giunta" userId="426adcadb63efdab" providerId="LiveId" clId="{7E51EC2A-058E-4F01-B103-E2C797C0BC7C}"/>
-    <pc:docChg chg="undo custSel addSld delSld modSld">
-      <pc:chgData name="Sebastian Giunta" userId="426adcadb63efdab" providerId="LiveId" clId="{7E51EC2A-058E-4F01-B103-E2C797C0BC7C}" dt="2022-04-25T23:35:01.982" v="1705" actId="26606"/>
+    <pc:docChg chg="undo custSel addSld delSld modSld sldOrd">
+      <pc:chgData name="Sebastian Giunta" userId="426adcadb63efdab" providerId="LiveId" clId="{7E51EC2A-058E-4F01-B103-E2C797C0BC7C}" dt="2022-04-27T23:06:54.327" v="3366" actId="1076"/>
       <pc:docMkLst>
         <pc:docMk/>
       </pc:docMkLst>
@@ -186,7 +189,7 @@
         </pc:spChg>
       </pc:sldChg>
       <pc:sldChg chg="addSp delSp modSp mod">
-        <pc:chgData name="Sebastian Giunta" userId="426adcadb63efdab" providerId="LiveId" clId="{7E51EC2A-058E-4F01-B103-E2C797C0BC7C}" dt="2022-04-25T23:21:11.108" v="255" actId="14100"/>
+        <pc:chgData name="Sebastian Giunta" userId="426adcadb63efdab" providerId="LiveId" clId="{7E51EC2A-058E-4F01-B103-E2C797C0BC7C}" dt="2022-04-27T23:02:35.906" v="3203" actId="20577"/>
         <pc:sldMkLst>
           <pc:docMk/>
           <pc:sldMk cId="3220235682" sldId="279"/>
@@ -200,7 +203,7 @@
           </ac:spMkLst>
         </pc:spChg>
         <pc:spChg chg="mod">
-          <ac:chgData name="Sebastian Giunta" userId="426adcadb63efdab" providerId="LiveId" clId="{7E51EC2A-058E-4F01-B103-E2C797C0BC7C}" dt="2022-04-25T23:21:11.108" v="255" actId="14100"/>
+          <ac:chgData name="Sebastian Giunta" userId="426adcadb63efdab" providerId="LiveId" clId="{7E51EC2A-058E-4F01-B103-E2C797C0BC7C}" dt="2022-04-27T23:02:35.906" v="3203" actId="20577"/>
           <ac:spMkLst>
             <pc:docMk/>
             <pc:sldMk cId="3220235682" sldId="279"/>
@@ -249,13 +252,13 @@
         </pc:picChg>
       </pc:sldChg>
       <pc:sldChg chg="addSp modSp mod setBg">
-        <pc:chgData name="Sebastian Giunta" userId="426adcadb63efdab" providerId="LiveId" clId="{7E51EC2A-058E-4F01-B103-E2C797C0BC7C}" dt="2022-04-25T23:33:08.476" v="1690" actId="26606"/>
+        <pc:chgData name="Sebastian Giunta" userId="426adcadb63efdab" providerId="LiveId" clId="{7E51EC2A-058E-4F01-B103-E2C797C0BC7C}" dt="2022-04-27T22:41:42.048" v="1715" actId="14100"/>
         <pc:sldMkLst>
           <pc:docMk/>
           <pc:sldMk cId="1693141016" sldId="280"/>
         </pc:sldMkLst>
         <pc:spChg chg="mod">
-          <ac:chgData name="Sebastian Giunta" userId="426adcadb63efdab" providerId="LiveId" clId="{7E51EC2A-058E-4F01-B103-E2C797C0BC7C}" dt="2022-04-25T23:33:08.476" v="1690" actId="26606"/>
+          <ac:chgData name="Sebastian Giunta" userId="426adcadb63efdab" providerId="LiveId" clId="{7E51EC2A-058E-4F01-B103-E2C797C0BC7C}" dt="2022-04-27T22:41:42.048" v="1715" actId="14100"/>
           <ac:spMkLst>
             <pc:docMk/>
             <pc:sldMk cId="1693141016" sldId="280"/>
@@ -288,13 +291,13 @@
         </pc:picChg>
       </pc:sldChg>
       <pc:sldChg chg="addSp modSp mod setBg">
-        <pc:chgData name="Sebastian Giunta" userId="426adcadb63efdab" providerId="LiveId" clId="{7E51EC2A-058E-4F01-B103-E2C797C0BC7C}" dt="2022-04-25T23:33:21.706" v="1691" actId="26606"/>
+        <pc:chgData name="Sebastian Giunta" userId="426adcadb63efdab" providerId="LiveId" clId="{7E51EC2A-058E-4F01-B103-E2C797C0BC7C}" dt="2022-04-27T23:03:13.653" v="3206" actId="20577"/>
         <pc:sldMkLst>
           <pc:docMk/>
           <pc:sldMk cId="2695184264" sldId="281"/>
         </pc:sldMkLst>
         <pc:spChg chg="mod">
-          <ac:chgData name="Sebastian Giunta" userId="426adcadb63efdab" providerId="LiveId" clId="{7E51EC2A-058E-4F01-B103-E2C797C0BC7C}" dt="2022-04-25T23:33:21.706" v="1691" actId="26606"/>
+          <ac:chgData name="Sebastian Giunta" userId="426adcadb63efdab" providerId="LiveId" clId="{7E51EC2A-058E-4F01-B103-E2C797C0BC7C}" dt="2022-04-27T23:03:13.653" v="3206" actId="20577"/>
           <ac:spMkLst>
             <pc:docMk/>
             <pc:sldMk cId="2695184264" sldId="281"/>
@@ -412,8 +415,8 @@
           </ac:picMkLst>
         </pc:picChg>
       </pc:sldChg>
-      <pc:sldChg chg="addSp modSp mod setBg">
-        <pc:chgData name="Sebastian Giunta" userId="426adcadb63efdab" providerId="LiveId" clId="{7E51EC2A-058E-4F01-B103-E2C797C0BC7C}" dt="2022-04-25T23:34:13.678" v="1696" actId="26606"/>
+      <pc:sldChg chg="addSp modSp mod ord setBg">
+        <pc:chgData name="Sebastian Giunta" userId="426adcadb63efdab" providerId="LiveId" clId="{7E51EC2A-058E-4F01-B103-E2C797C0BC7C}" dt="2022-04-27T22:39:56.473" v="1707"/>
         <pc:sldMkLst>
           <pc:docMk/>
           <pc:sldMk cId="1433402431" sldId="284"/>
@@ -452,13 +455,13 @@
         </pc:picChg>
       </pc:sldChg>
       <pc:sldChg chg="addSp modSp mod setBg">
-        <pc:chgData name="Sebastian Giunta" userId="426adcadb63efdab" providerId="LiveId" clId="{7E51EC2A-058E-4F01-B103-E2C797C0BC7C}" dt="2022-04-25T23:34:24.383" v="1697" actId="26606"/>
+        <pc:chgData name="Sebastian Giunta" userId="426adcadb63efdab" providerId="LiveId" clId="{7E51EC2A-058E-4F01-B103-E2C797C0BC7C}" dt="2022-04-27T23:05:47.456" v="3354" actId="1076"/>
         <pc:sldMkLst>
           <pc:docMk/>
           <pc:sldMk cId="1903985191" sldId="285"/>
         </pc:sldMkLst>
         <pc:spChg chg="mod">
-          <ac:chgData name="Sebastian Giunta" userId="426adcadb63efdab" providerId="LiveId" clId="{7E51EC2A-058E-4F01-B103-E2C797C0BC7C}" dt="2022-04-25T23:34:24.383" v="1697" actId="26606"/>
+          <ac:chgData name="Sebastian Giunta" userId="426adcadb63efdab" providerId="LiveId" clId="{7E51EC2A-058E-4F01-B103-E2C797C0BC7C}" dt="2022-04-27T23:05:47.456" v="3354" actId="1076"/>
           <ac:spMkLst>
             <pc:docMk/>
             <pc:sldMk cId="1903985191" sldId="285"/>
@@ -474,7 +477,7 @@
           </ac:spMkLst>
         </pc:spChg>
         <pc:picChg chg="mod">
-          <ac:chgData name="Sebastian Giunta" userId="426adcadb63efdab" providerId="LiveId" clId="{7E51EC2A-058E-4F01-B103-E2C797C0BC7C}" dt="2022-04-25T23:34:24.383" v="1697" actId="26606"/>
+          <ac:chgData name="Sebastian Giunta" userId="426adcadb63efdab" providerId="LiveId" clId="{7E51EC2A-058E-4F01-B103-E2C797C0BC7C}" dt="2022-04-27T23:05:43.398" v="3353" actId="1076"/>
           <ac:picMkLst>
             <pc:docMk/>
             <pc:sldMk cId="1903985191" sldId="285"/>
@@ -483,7 +486,7 @@
         </pc:picChg>
       </pc:sldChg>
       <pc:sldChg chg="addSp delSp modSp mod setBg">
-        <pc:chgData name="Sebastian Giunta" userId="426adcadb63efdab" providerId="LiveId" clId="{7E51EC2A-058E-4F01-B103-E2C797C0BC7C}" dt="2022-04-25T23:34:37.091" v="1700" actId="26606"/>
+        <pc:chgData name="Sebastian Giunta" userId="426adcadb63efdab" providerId="LiveId" clId="{7E51EC2A-058E-4F01-B103-E2C797C0BC7C}" dt="2022-04-27T23:05:34.410" v="3349" actId="1076"/>
         <pc:sldMkLst>
           <pc:docMk/>
           <pc:sldMk cId="2562461581" sldId="286"/>
@@ -513,7 +516,7 @@
           </ac:spMkLst>
         </pc:spChg>
         <pc:picChg chg="mod">
-          <ac:chgData name="Sebastian Giunta" userId="426adcadb63efdab" providerId="LiveId" clId="{7E51EC2A-058E-4F01-B103-E2C797C0BC7C}" dt="2022-04-25T23:34:37.091" v="1700" actId="26606"/>
+          <ac:chgData name="Sebastian Giunta" userId="426adcadb63efdab" providerId="LiveId" clId="{7E51EC2A-058E-4F01-B103-E2C797C0BC7C}" dt="2022-04-27T23:05:34.410" v="3349" actId="1076"/>
           <ac:picMkLst>
             <pc:docMk/>
             <pc:sldMk cId="2562461581" sldId="286"/>
@@ -530,13 +533,13 @@
         </pc:picChg>
       </pc:sldChg>
       <pc:sldChg chg="addSp modSp mod setBg">
-        <pc:chgData name="Sebastian Giunta" userId="426adcadb63efdab" providerId="LiveId" clId="{7E51EC2A-058E-4F01-B103-E2C797C0BC7C}" dt="2022-04-25T23:34:43.905" v="1701" actId="26606"/>
+        <pc:chgData name="Sebastian Giunta" userId="426adcadb63efdab" providerId="LiveId" clId="{7E51EC2A-058E-4F01-B103-E2C797C0BC7C}" dt="2022-04-27T23:06:27.379" v="3358" actId="1076"/>
         <pc:sldMkLst>
           <pc:docMk/>
           <pc:sldMk cId="1018309221" sldId="287"/>
         </pc:sldMkLst>
         <pc:spChg chg="mod">
-          <ac:chgData name="Sebastian Giunta" userId="426adcadb63efdab" providerId="LiveId" clId="{7E51EC2A-058E-4F01-B103-E2C797C0BC7C}" dt="2022-04-25T23:34:43.905" v="1701" actId="26606"/>
+          <ac:chgData name="Sebastian Giunta" userId="426adcadb63efdab" providerId="LiveId" clId="{7E51EC2A-058E-4F01-B103-E2C797C0BC7C}" dt="2022-04-27T23:06:27.379" v="3358" actId="1076"/>
           <ac:spMkLst>
             <pc:docMk/>
             <pc:sldMk cId="1018309221" sldId="287"/>
@@ -552,7 +555,7 @@
           </ac:spMkLst>
         </pc:spChg>
         <pc:picChg chg="mod">
-          <ac:chgData name="Sebastian Giunta" userId="426adcadb63efdab" providerId="LiveId" clId="{7E51EC2A-058E-4F01-B103-E2C797C0BC7C}" dt="2022-04-25T23:34:43.905" v="1701" actId="26606"/>
+          <ac:chgData name="Sebastian Giunta" userId="426adcadb63efdab" providerId="LiveId" clId="{7E51EC2A-058E-4F01-B103-E2C797C0BC7C}" dt="2022-04-27T23:06:23.624" v="3357" actId="1076"/>
           <ac:picMkLst>
             <pc:docMk/>
             <pc:sldMk cId="1018309221" sldId="287"/>
@@ -561,13 +564,13 @@
         </pc:picChg>
       </pc:sldChg>
       <pc:sldChg chg="addSp modSp mod setBg">
-        <pc:chgData name="Sebastian Giunta" userId="426adcadb63efdab" providerId="LiveId" clId="{7E51EC2A-058E-4F01-B103-E2C797C0BC7C}" dt="2022-04-25T23:34:46.030" v="1702" actId="26606"/>
+        <pc:chgData name="Sebastian Giunta" userId="426adcadb63efdab" providerId="LiveId" clId="{7E51EC2A-058E-4F01-B103-E2C797C0BC7C}" dt="2022-04-27T23:06:41.131" v="3363" actId="1076"/>
         <pc:sldMkLst>
           <pc:docMk/>
           <pc:sldMk cId="1254903517" sldId="288"/>
         </pc:sldMkLst>
         <pc:spChg chg="mod">
-          <ac:chgData name="Sebastian Giunta" userId="426adcadb63efdab" providerId="LiveId" clId="{7E51EC2A-058E-4F01-B103-E2C797C0BC7C}" dt="2022-04-25T23:34:46.030" v="1702" actId="26606"/>
+          <ac:chgData name="Sebastian Giunta" userId="426adcadb63efdab" providerId="LiveId" clId="{7E51EC2A-058E-4F01-B103-E2C797C0BC7C}" dt="2022-04-27T23:06:41.131" v="3363" actId="1076"/>
           <ac:spMkLst>
             <pc:docMk/>
             <pc:sldMk cId="1254903517" sldId="288"/>
@@ -583,7 +586,7 @@
           </ac:spMkLst>
         </pc:spChg>
         <pc:picChg chg="mod">
-          <ac:chgData name="Sebastian Giunta" userId="426adcadb63efdab" providerId="LiveId" clId="{7E51EC2A-058E-4F01-B103-E2C797C0BC7C}" dt="2022-04-25T23:34:46.030" v="1702" actId="26606"/>
+          <ac:chgData name="Sebastian Giunta" userId="426adcadb63efdab" providerId="LiveId" clId="{7E51EC2A-058E-4F01-B103-E2C797C0BC7C}" dt="2022-04-27T23:06:38.629" v="3362" actId="1076"/>
           <ac:picMkLst>
             <pc:docMk/>
             <pc:sldMk cId="1254903517" sldId="288"/>
@@ -592,13 +595,13 @@
         </pc:picChg>
       </pc:sldChg>
       <pc:sldChg chg="addSp modSp mod setBg">
-        <pc:chgData name="Sebastian Giunta" userId="426adcadb63efdab" providerId="LiveId" clId="{7E51EC2A-058E-4F01-B103-E2C797C0BC7C}" dt="2022-04-25T23:34:48.856" v="1703" actId="26606"/>
+        <pc:chgData name="Sebastian Giunta" userId="426adcadb63efdab" providerId="LiveId" clId="{7E51EC2A-058E-4F01-B103-E2C797C0BC7C}" dt="2022-04-27T23:06:54.327" v="3366" actId="1076"/>
         <pc:sldMkLst>
           <pc:docMk/>
           <pc:sldMk cId="661474073" sldId="289"/>
         </pc:sldMkLst>
         <pc:spChg chg="mod">
-          <ac:chgData name="Sebastian Giunta" userId="426adcadb63efdab" providerId="LiveId" clId="{7E51EC2A-058E-4F01-B103-E2C797C0BC7C}" dt="2022-04-25T23:34:48.856" v="1703" actId="26606"/>
+          <ac:chgData name="Sebastian Giunta" userId="426adcadb63efdab" providerId="LiveId" clId="{7E51EC2A-058E-4F01-B103-E2C797C0BC7C}" dt="2022-04-27T23:06:49.114" v="3364" actId="1076"/>
           <ac:spMkLst>
             <pc:docMk/>
             <pc:sldMk cId="661474073" sldId="289"/>
@@ -614,7 +617,7 @@
           </ac:spMkLst>
         </pc:spChg>
         <pc:picChg chg="mod">
-          <ac:chgData name="Sebastian Giunta" userId="426adcadb63efdab" providerId="LiveId" clId="{7E51EC2A-058E-4F01-B103-E2C797C0BC7C}" dt="2022-04-25T23:34:48.856" v="1703" actId="26606"/>
+          <ac:chgData name="Sebastian Giunta" userId="426adcadb63efdab" providerId="LiveId" clId="{7E51EC2A-058E-4F01-B103-E2C797C0BC7C}" dt="2022-04-27T23:06:54.327" v="3366" actId="1076"/>
           <ac:picMkLst>
             <pc:docMk/>
             <pc:sldMk cId="661474073" sldId="289"/>
@@ -716,7 +719,7 @@
         </pc:spChg>
       </pc:sldChg>
       <pc:sldChg chg="addSp delSp modSp add mod setBg delDesignElem">
-        <pc:chgData name="Sebastian Giunta" userId="426adcadb63efdab" providerId="LiveId" clId="{7E51EC2A-058E-4F01-B103-E2C797C0BC7C}" dt="2022-04-25T23:25:36.773" v="743" actId="26606"/>
+        <pc:chgData name="Sebastian Giunta" userId="426adcadb63efdab" providerId="LiveId" clId="{7E51EC2A-058E-4F01-B103-E2C797C0BC7C}" dt="2022-04-27T22:40:01.095" v="1711" actId="20577"/>
         <pc:sldMkLst>
           <pc:docMk/>
           <pc:sldMk cId="1055405011" sldId="295"/>
@@ -730,7 +733,7 @@
           </ac:spMkLst>
         </pc:spChg>
         <pc:spChg chg="mod">
-          <ac:chgData name="Sebastian Giunta" userId="426adcadb63efdab" providerId="LiveId" clId="{7E51EC2A-058E-4F01-B103-E2C797C0BC7C}" dt="2022-04-25T23:25:36.773" v="743" actId="26606"/>
+          <ac:chgData name="Sebastian Giunta" userId="426adcadb63efdab" providerId="LiveId" clId="{7E51EC2A-058E-4F01-B103-E2C797C0BC7C}" dt="2022-04-27T22:40:01.095" v="1711" actId="20577"/>
           <ac:spMkLst>
             <pc:docMk/>
             <pc:sldMk cId="1055405011" sldId="295"/>
@@ -794,6 +797,210 @@
           </ac:picMkLst>
         </pc:picChg>
       </pc:sldChg>
+      <pc:sldChg chg="addSp delSp modSp new mod setBg">
+        <pc:chgData name="Sebastian Giunta" userId="426adcadb63efdab" providerId="LiveId" clId="{7E51EC2A-058E-4F01-B103-E2C797C0BC7C}" dt="2022-04-27T23:01:22.536" v="3129" actId="403"/>
+        <pc:sldMkLst>
+          <pc:docMk/>
+          <pc:sldMk cId="2296608955" sldId="296"/>
+        </pc:sldMkLst>
+        <pc:spChg chg="mod">
+          <ac:chgData name="Sebastian Giunta" userId="426adcadb63efdab" providerId="LiveId" clId="{7E51EC2A-058E-4F01-B103-E2C797C0BC7C}" dt="2022-04-27T23:01:22.536" v="3129" actId="403"/>
+          <ac:spMkLst>
+            <pc:docMk/>
+            <pc:sldMk cId="2296608955" sldId="296"/>
+            <ac:spMk id="2" creationId="{0433D765-886E-4540-8634-DCBC5F87F1FC}"/>
+          </ac:spMkLst>
+        </pc:spChg>
+        <pc:spChg chg="add del">
+          <ac:chgData name="Sebastian Giunta" userId="426adcadb63efdab" providerId="LiveId" clId="{7E51EC2A-058E-4F01-B103-E2C797C0BC7C}" dt="2022-04-27T22:43:27.765" v="1897" actId="3680"/>
+          <ac:spMkLst>
+            <pc:docMk/>
+            <pc:sldMk cId="2296608955" sldId="296"/>
+            <ac:spMk id="3" creationId="{DF448619-78DC-439D-BA48-3D96E2BDC0C7}"/>
+          </ac:spMkLst>
+        </pc:spChg>
+        <pc:spChg chg="add del">
+          <ac:chgData name="Sebastian Giunta" userId="426adcadb63efdab" providerId="LiveId" clId="{7E51EC2A-058E-4F01-B103-E2C797C0BC7C}" dt="2022-04-27T22:44:57.922" v="2049" actId="26606"/>
+          <ac:spMkLst>
+            <pc:docMk/>
+            <pc:sldMk cId="2296608955" sldId="296"/>
+            <ac:spMk id="10" creationId="{3A149F55-0239-8F23-A22A-AA334E6CE521}"/>
+          </ac:spMkLst>
+        </pc:spChg>
+        <pc:spChg chg="add del">
+          <ac:chgData name="Sebastian Giunta" userId="426adcadb63efdab" providerId="LiveId" clId="{7E51EC2A-058E-4F01-B103-E2C797C0BC7C}" dt="2022-04-27T22:45:02.076" v="2051" actId="26606"/>
+          <ac:spMkLst>
+            <pc:docMk/>
+            <pc:sldMk cId="2296608955" sldId="296"/>
+            <ac:spMk id="12" creationId="{A6D87845-294F-40CB-BC48-46455460D292}"/>
+          </ac:spMkLst>
+        </pc:spChg>
+        <pc:spChg chg="add del">
+          <ac:chgData name="Sebastian Giunta" userId="426adcadb63efdab" providerId="LiveId" clId="{7E51EC2A-058E-4F01-B103-E2C797C0BC7C}" dt="2022-04-27T22:44:57.922" v="2049" actId="26606"/>
+          <ac:spMkLst>
+            <pc:docMk/>
+            <pc:sldMk cId="2296608955" sldId="296"/>
+            <ac:spMk id="13" creationId="{1B3897FC-A693-4656-8FCD-CF609C3BDF8D}"/>
+          </ac:spMkLst>
+        </pc:spChg>
+        <pc:spChg chg="add del">
+          <ac:chgData name="Sebastian Giunta" userId="426adcadb63efdab" providerId="LiveId" clId="{7E51EC2A-058E-4F01-B103-E2C797C0BC7C}" dt="2022-04-27T22:45:02.076" v="2051" actId="26606"/>
+          <ac:spMkLst>
+            <pc:docMk/>
+            <pc:sldMk cId="2296608955" sldId="296"/>
+            <ac:spMk id="15" creationId="{1E70A317-DCED-4E80-AA2D-467D8702E5CB}"/>
+          </ac:spMkLst>
+        </pc:spChg>
+        <pc:spChg chg="add del">
+          <ac:chgData name="Sebastian Giunta" userId="426adcadb63efdab" providerId="LiveId" clId="{7E51EC2A-058E-4F01-B103-E2C797C0BC7C}" dt="2022-04-27T23:01:04.442" v="3125" actId="26606"/>
+          <ac:spMkLst>
+            <pc:docMk/>
+            <pc:sldMk cId="2296608955" sldId="296"/>
+            <ac:spMk id="20" creationId="{886D4A05-AFD9-4D13-98E7-B23E4C9D785A}"/>
+          </ac:spMkLst>
+        </pc:spChg>
+        <pc:graphicFrameChg chg="add del mod ord modGraphic">
+          <ac:chgData name="Sebastian Giunta" userId="426adcadb63efdab" providerId="LiveId" clId="{7E51EC2A-058E-4F01-B103-E2C797C0BC7C}" dt="2022-04-27T22:43:22.191" v="1896" actId="3680"/>
+          <ac:graphicFrameMkLst>
+            <pc:docMk/>
+            <pc:sldMk cId="2296608955" sldId="296"/>
+            <ac:graphicFrameMk id="4" creationId="{EC600C73-5A4E-4981-AAA1-A25863888158}"/>
+          </ac:graphicFrameMkLst>
+        </pc:graphicFrameChg>
+        <pc:graphicFrameChg chg="add del mod ord modGraphic">
+          <ac:chgData name="Sebastian Giunta" userId="426adcadb63efdab" providerId="LiveId" clId="{7E51EC2A-058E-4F01-B103-E2C797C0BC7C}" dt="2022-04-27T22:45:02.839" v="2054" actId="26606"/>
+          <ac:graphicFrameMkLst>
+            <pc:docMk/>
+            <pc:sldMk cId="2296608955" sldId="296"/>
+            <ac:graphicFrameMk id="5" creationId="{03D6F0F8-73D2-456C-983B-B64ADEC84FE1}"/>
+          </ac:graphicFrameMkLst>
+        </pc:graphicFrameChg>
+        <pc:graphicFrameChg chg="add del">
+          <ac:chgData name="Sebastian Giunta" userId="426adcadb63efdab" providerId="LiveId" clId="{7E51EC2A-058E-4F01-B103-E2C797C0BC7C}" dt="2022-04-27T22:44:57.922" v="2049" actId="26606"/>
+          <ac:graphicFrameMkLst>
+            <pc:docMk/>
+            <pc:sldMk cId="2296608955" sldId="296"/>
+            <ac:graphicFrameMk id="8" creationId="{03D6F0F8-73D2-456C-983B-B64ADEC84FE1}"/>
+          </ac:graphicFrameMkLst>
+        </pc:graphicFrameChg>
+        <pc:graphicFrameChg chg="add del">
+          <ac:chgData name="Sebastian Giunta" userId="426adcadb63efdab" providerId="LiveId" clId="{7E51EC2A-058E-4F01-B103-E2C797C0BC7C}" dt="2022-04-27T22:45:02.076" v="2051" actId="26606"/>
+          <ac:graphicFrameMkLst>
+            <pc:docMk/>
+            <pc:sldMk cId="2296608955" sldId="296"/>
+            <ac:graphicFrameMk id="16" creationId="{03D6F0F8-73D2-456C-983B-B64ADEC84FE1}"/>
+          </ac:graphicFrameMkLst>
+        </pc:graphicFrameChg>
+        <pc:graphicFrameChg chg="add del">
+          <ac:chgData name="Sebastian Giunta" userId="426adcadb63efdab" providerId="LiveId" clId="{7E51EC2A-058E-4F01-B103-E2C797C0BC7C}" dt="2022-04-27T22:45:02.792" v="2053" actId="26606"/>
+          <ac:graphicFrameMkLst>
+            <pc:docMk/>
+            <pc:sldMk cId="2296608955" sldId="296"/>
+            <ac:graphicFrameMk id="18" creationId="{03D6F0F8-73D2-456C-983B-B64ADEC84FE1}"/>
+          </ac:graphicFrameMkLst>
+        </pc:graphicFrameChg>
+        <pc:graphicFrameChg chg="add mod modGraphic">
+          <ac:chgData name="Sebastian Giunta" userId="426adcadb63efdab" providerId="LiveId" clId="{7E51EC2A-058E-4F01-B103-E2C797C0BC7C}" dt="2022-04-27T23:01:04.442" v="3125" actId="26606"/>
+          <ac:graphicFrameMkLst>
+            <pc:docMk/>
+            <pc:sldMk cId="2296608955" sldId="296"/>
+            <ac:graphicFrameMk id="21" creationId="{03D6F0F8-73D2-456C-983B-B64ADEC84FE1}"/>
+          </ac:graphicFrameMkLst>
+        </pc:graphicFrameChg>
+        <pc:picChg chg="add">
+          <ac:chgData name="Sebastian Giunta" userId="426adcadb63efdab" providerId="LiveId" clId="{7E51EC2A-058E-4F01-B103-E2C797C0BC7C}" dt="2022-04-27T23:01:04.442" v="3125" actId="26606"/>
+          <ac:picMkLst>
+            <pc:docMk/>
+            <pc:sldMk cId="2296608955" sldId="296"/>
+            <ac:picMk id="26" creationId="{82AABC82-C2D1-4340-A6DF-6E73DF06FCAC}"/>
+          </ac:picMkLst>
+        </pc:picChg>
+      </pc:sldChg>
+      <pc:sldChg chg="modSp new del mod">
+        <pc:chgData name="Sebastian Giunta" userId="426adcadb63efdab" providerId="LiveId" clId="{7E51EC2A-058E-4F01-B103-E2C797C0BC7C}" dt="2022-04-27T22:53:13.245" v="2507" actId="47"/>
+        <pc:sldMkLst>
+          <pc:docMk/>
+          <pc:sldMk cId="4234025850" sldId="297"/>
+        </pc:sldMkLst>
+        <pc:spChg chg="mod">
+          <ac:chgData name="Sebastian Giunta" userId="426adcadb63efdab" providerId="LiveId" clId="{7E51EC2A-058E-4F01-B103-E2C797C0BC7C}" dt="2022-04-27T22:50:47.741" v="2184" actId="20577"/>
+          <ac:spMkLst>
+            <pc:docMk/>
+            <pc:sldMk cId="4234025850" sldId="297"/>
+            <ac:spMk id="2" creationId="{0D128364-4C8A-41DF-A220-809F11479EC3}"/>
+          </ac:spMkLst>
+        </pc:spChg>
+        <pc:spChg chg="mod">
+          <ac:chgData name="Sebastian Giunta" userId="426adcadb63efdab" providerId="LiveId" clId="{7E51EC2A-058E-4F01-B103-E2C797C0BC7C}" dt="2022-04-27T22:53:04.399" v="2498" actId="21"/>
+          <ac:spMkLst>
+            <pc:docMk/>
+            <pc:sldMk cId="4234025850" sldId="297"/>
+            <ac:spMk id="3" creationId="{9BCB2032-8532-4B52-843B-BDAD7871262D}"/>
+          </ac:spMkLst>
+        </pc:spChg>
+      </pc:sldChg>
+      <pc:sldChg chg="delSp modSp add mod ord setBg delDesignElem">
+        <pc:chgData name="Sebastian Giunta" userId="426adcadb63efdab" providerId="LiveId" clId="{7E51EC2A-058E-4F01-B103-E2C797C0BC7C}" dt="2022-04-27T23:02:01.704" v="3131"/>
+        <pc:sldMkLst>
+          <pc:docMk/>
+          <pc:sldMk cId="337766920" sldId="298"/>
+        </pc:sldMkLst>
+        <pc:spChg chg="mod">
+          <ac:chgData name="Sebastian Giunta" userId="426adcadb63efdab" providerId="LiveId" clId="{7E51EC2A-058E-4F01-B103-E2C797C0BC7C}" dt="2022-04-27T22:53:11.278" v="2506" actId="20577"/>
+          <ac:spMkLst>
+            <pc:docMk/>
+            <pc:sldMk cId="337766920" sldId="298"/>
+            <ac:spMk id="2" creationId="{89559F60-4CE1-4E2F-86EA-1B60679F1F4A}"/>
+          </ac:spMkLst>
+        </pc:spChg>
+        <pc:spChg chg="mod">
+          <ac:chgData name="Sebastian Giunta" userId="426adcadb63efdab" providerId="LiveId" clId="{7E51EC2A-058E-4F01-B103-E2C797C0BC7C}" dt="2022-04-27T22:53:07.592" v="2499"/>
+          <ac:spMkLst>
+            <pc:docMk/>
+            <pc:sldMk cId="337766920" sldId="298"/>
+            <ac:spMk id="24" creationId="{F260476B-CCA6-412B-A9C5-399C34AE6F05}"/>
+          </ac:spMkLst>
+        </pc:spChg>
+        <pc:spChg chg="del">
+          <ac:chgData name="Sebastian Giunta" userId="426adcadb63efdab" providerId="LiveId" clId="{7E51EC2A-058E-4F01-B103-E2C797C0BC7C}" dt="2022-04-27T22:53:01.344" v="2497"/>
+          <ac:spMkLst>
+            <pc:docMk/>
+            <pc:sldMk cId="337766920" sldId="298"/>
+            <ac:spMk id="33" creationId="{28CDD186-03E3-4AED-BEB6-0B3BEC20807E}"/>
+          </ac:spMkLst>
+        </pc:spChg>
+        <pc:picChg chg="del">
+          <ac:chgData name="Sebastian Giunta" userId="426adcadb63efdab" providerId="LiveId" clId="{7E51EC2A-058E-4F01-B103-E2C797C0BC7C}" dt="2022-04-27T22:53:01.344" v="2497"/>
+          <ac:picMkLst>
+            <pc:docMk/>
+            <pc:sldMk cId="337766920" sldId="298"/>
+            <ac:picMk id="34" creationId="{1CF706DA-13E8-4A4F-9260-551FB8127BDD}"/>
+          </ac:picMkLst>
+        </pc:picChg>
+      </pc:sldChg>
+      <pc:sldChg chg="modSp add mod">
+        <pc:chgData name="Sebastian Giunta" userId="426adcadb63efdab" providerId="LiveId" clId="{7E51EC2A-058E-4F01-B103-E2C797C0BC7C}" dt="2022-04-27T22:57:06.200" v="3033" actId="20577"/>
+        <pc:sldMkLst>
+          <pc:docMk/>
+          <pc:sldMk cId="2245253967" sldId="299"/>
+        </pc:sldMkLst>
+        <pc:spChg chg="mod">
+          <ac:chgData name="Sebastian Giunta" userId="426adcadb63efdab" providerId="LiveId" clId="{7E51EC2A-058E-4F01-B103-E2C797C0BC7C}" dt="2022-04-27T22:54:51.831" v="2535" actId="20577"/>
+          <ac:spMkLst>
+            <pc:docMk/>
+            <pc:sldMk cId="2245253967" sldId="299"/>
+            <ac:spMk id="2" creationId="{89559F60-4CE1-4E2F-86EA-1B60679F1F4A}"/>
+          </ac:spMkLst>
+        </pc:spChg>
+        <pc:spChg chg="mod">
+          <ac:chgData name="Sebastian Giunta" userId="426adcadb63efdab" providerId="LiveId" clId="{7E51EC2A-058E-4F01-B103-E2C797C0BC7C}" dt="2022-04-27T22:57:06.200" v="3033" actId="20577"/>
+          <ac:spMkLst>
+            <pc:docMk/>
+            <pc:sldMk cId="2245253967" sldId="299"/>
+            <ac:spMk id="24" creationId="{F260476B-CCA6-412B-A9C5-399C34AE6F05}"/>
+          </ac:spMkLst>
+        </pc:spChg>
+      </pc:sldChg>
     </pc:docChg>
   </pc:docChgLst>
 </pc:chgInfo>
@@ -881,7 +1088,7 @@
           <a:p>
             <a:fld id="{AFD01546-198A-4195-BCF8-F0FF54C90E5E}" type="datetimeFigureOut">
               <a:rPr lang="en-US" smtClean="0"/>
-              <a:t>4/26/2022</a:t>
+              <a:t>4/28/2022</a:t>
             </a:fld>
             <a:endParaRPr lang="en-US" dirty="0"/>
           </a:p>
@@ -1426,7 +1633,295 @@
     </p:spTree>
     <p:extLst>
       <p:ext uri="{BB962C8B-B14F-4D97-AF65-F5344CB8AC3E}">
+        <p14:creationId xmlns:p14="http://schemas.microsoft.com/office/powerpoint/2010/main" val="1142536147"/>
+      </p:ext>
+    </p:extLst>
+  </p:cSld>
+  <p:clrMapOvr>
+    <a:masterClrMapping/>
+  </p:clrMapOvr>
+</p:notes>
+</file>
+
+<file path=ppt/notesSlides/notesSlide3.xml><?xml version="1.0" encoding="utf-8"?>
+<p:notes xmlns:a="http://schemas.openxmlformats.org/drawingml/2006/main" xmlns:r="http://schemas.openxmlformats.org/officeDocument/2006/relationships" xmlns:p="http://schemas.openxmlformats.org/presentationml/2006/main">
+  <p:cSld>
+    <p:spTree>
+      <p:nvGrpSpPr>
+        <p:cNvPr id="1" name=""/>
+        <p:cNvGrpSpPr/>
+        <p:nvPr/>
+      </p:nvGrpSpPr>
+      <p:grpSpPr>
+        <a:xfrm>
+          <a:off x="0" y="0"/>
+          <a:ext cx="0" cy="0"/>
+          <a:chOff x="0" y="0"/>
+          <a:chExt cx="0" cy="0"/>
+        </a:xfrm>
+      </p:grpSpPr>
+      <p:sp>
+        <p:nvSpPr>
+          <p:cNvPr id="2" name="Slide Image Placeholder 1"/>
+          <p:cNvSpPr>
+            <a:spLocks noGrp="1" noRot="1" noChangeAspect="1"/>
+          </p:cNvSpPr>
+          <p:nvPr>
+            <p:ph type="sldImg"/>
+          </p:nvPr>
+        </p:nvSpPr>
+        <p:spPr/>
+      </p:sp>
+      <p:sp>
+        <p:nvSpPr>
+          <p:cNvPr id="3" name="Notes Placeholder 2"/>
+          <p:cNvSpPr>
+            <a:spLocks noGrp="1"/>
+          </p:cNvSpPr>
+          <p:nvPr>
+            <p:ph type="body" idx="1"/>
+          </p:nvPr>
+        </p:nvSpPr>
+        <p:spPr/>
+        <p:txBody>
+          <a:bodyPr/>
+          <a:lstStyle/>
+          <a:p>
+            <a:endParaRPr lang="en-US" dirty="0"/>
+          </a:p>
+        </p:txBody>
+      </p:sp>
+      <p:sp>
+        <p:nvSpPr>
+          <p:cNvPr id="4" name="Slide Number Placeholder 3"/>
+          <p:cNvSpPr>
+            <a:spLocks noGrp="1"/>
+          </p:cNvSpPr>
+          <p:nvPr>
+            <p:ph type="sldNum" sz="quarter" idx="5"/>
+          </p:nvPr>
+        </p:nvSpPr>
+        <p:spPr/>
+        <p:txBody>
+          <a:bodyPr/>
+          <a:lstStyle/>
+          <a:p>
+            <a:pPr marL="0" marR="0" lvl="0" indent="0" algn="r" defTabSz="914400" rtl="0" eaLnBrk="1" fontAlgn="auto" latinLnBrk="0" hangingPunct="1">
+              <a:lnSpc>
+                <a:spcPct val="100000"/>
+              </a:lnSpc>
+              <a:spcBef>
+                <a:spcPts val="0"/>
+              </a:spcBef>
+              <a:spcAft>
+                <a:spcPts val="0"/>
+              </a:spcAft>
+              <a:buClrTx/>
+              <a:buSzTx/>
+              <a:buFontTx/>
+              <a:buNone/>
+              <a:tabLst/>
+              <a:defRPr/>
+            </a:pPr>
+            <a:fld id="{33AEA074-24A7-4657-AE02-A51F68EA6AA2}" type="slidenum">
+              <a:rPr kumimoji="0" lang="en-US" sz="1200" b="0" i="0" u="none" strike="noStrike" kern="1200" cap="none" spc="0" normalizeH="0" baseline="0" noProof="0" smtClean="0">
+                <a:ln>
+                  <a:noFill/>
+                </a:ln>
+                <a:solidFill>
+                  <a:prstClr val="black"/>
+                </a:solidFill>
+                <a:effectLst/>
+                <a:uLnTx/>
+                <a:uFillTx/>
+                <a:latin typeface="Calibri" panose="020F0502020204030204"/>
+                <a:ea typeface="+mn-ea"/>
+                <a:cs typeface="+mn-cs"/>
+              </a:rPr>
+              <a:pPr marL="0" marR="0" lvl="0" indent="0" algn="r" defTabSz="914400" rtl="0" eaLnBrk="1" fontAlgn="auto" latinLnBrk="0" hangingPunct="1">
+                <a:lnSpc>
+                  <a:spcPct val="100000"/>
+                </a:lnSpc>
+                <a:spcBef>
+                  <a:spcPts val="0"/>
+                </a:spcBef>
+                <a:spcAft>
+                  <a:spcPts val="0"/>
+                </a:spcAft>
+                <a:buClrTx/>
+                <a:buSzTx/>
+                <a:buFontTx/>
+                <a:buNone/>
+                <a:tabLst/>
+                <a:defRPr/>
+              </a:pPr>
+              <a:t>4</a:t>
+            </a:fld>
+            <a:endParaRPr kumimoji="0" lang="en-US" sz="1200" b="0" i="0" u="none" strike="noStrike" kern="1200" cap="none" spc="0" normalizeH="0" baseline="0" noProof="0" dirty="0">
+              <a:ln>
+                <a:noFill/>
+              </a:ln>
+              <a:solidFill>
+                <a:prstClr val="black"/>
+              </a:solidFill>
+              <a:effectLst/>
+              <a:uLnTx/>
+              <a:uFillTx/>
+              <a:latin typeface="Calibri" panose="020F0502020204030204"/>
+              <a:ea typeface="+mn-ea"/>
+              <a:cs typeface="+mn-cs"/>
+            </a:endParaRPr>
+          </a:p>
+        </p:txBody>
+      </p:sp>
+    </p:spTree>
+    <p:extLst>
+      <p:ext uri="{BB962C8B-B14F-4D97-AF65-F5344CB8AC3E}">
         <p14:creationId xmlns:p14="http://schemas.microsoft.com/office/powerpoint/2010/main" val="1461300733"/>
+      </p:ext>
+    </p:extLst>
+  </p:cSld>
+  <p:clrMapOvr>
+    <a:masterClrMapping/>
+  </p:clrMapOvr>
+</p:notes>
+</file>
+
+<file path=ppt/notesSlides/notesSlide4.xml><?xml version="1.0" encoding="utf-8"?>
+<p:notes xmlns:a="http://schemas.openxmlformats.org/drawingml/2006/main" xmlns:r="http://schemas.openxmlformats.org/officeDocument/2006/relationships" xmlns:p="http://schemas.openxmlformats.org/presentationml/2006/main">
+  <p:cSld>
+    <p:spTree>
+      <p:nvGrpSpPr>
+        <p:cNvPr id="1" name=""/>
+        <p:cNvGrpSpPr/>
+        <p:nvPr/>
+      </p:nvGrpSpPr>
+      <p:grpSpPr>
+        <a:xfrm>
+          <a:off x="0" y="0"/>
+          <a:ext cx="0" cy="0"/>
+          <a:chOff x="0" y="0"/>
+          <a:chExt cx="0" cy="0"/>
+        </a:xfrm>
+      </p:grpSpPr>
+      <p:sp>
+        <p:nvSpPr>
+          <p:cNvPr id="2" name="Slide Image Placeholder 1"/>
+          <p:cNvSpPr>
+            <a:spLocks noGrp="1" noRot="1" noChangeAspect="1"/>
+          </p:cNvSpPr>
+          <p:nvPr>
+            <p:ph type="sldImg"/>
+          </p:nvPr>
+        </p:nvSpPr>
+        <p:spPr/>
+      </p:sp>
+      <p:sp>
+        <p:nvSpPr>
+          <p:cNvPr id="3" name="Notes Placeholder 2"/>
+          <p:cNvSpPr>
+            <a:spLocks noGrp="1"/>
+          </p:cNvSpPr>
+          <p:nvPr>
+            <p:ph type="body" idx="1"/>
+          </p:nvPr>
+        </p:nvSpPr>
+        <p:spPr/>
+        <p:txBody>
+          <a:bodyPr/>
+          <a:lstStyle/>
+          <a:p>
+            <a:endParaRPr lang="en-US" dirty="0"/>
+          </a:p>
+        </p:txBody>
+      </p:sp>
+      <p:sp>
+        <p:nvSpPr>
+          <p:cNvPr id="4" name="Slide Number Placeholder 3"/>
+          <p:cNvSpPr>
+            <a:spLocks noGrp="1"/>
+          </p:cNvSpPr>
+          <p:nvPr>
+            <p:ph type="sldNum" sz="quarter" idx="5"/>
+          </p:nvPr>
+        </p:nvSpPr>
+        <p:spPr/>
+        <p:txBody>
+          <a:bodyPr/>
+          <a:lstStyle/>
+          <a:p>
+            <a:pPr marL="0" marR="0" lvl="0" indent="0" algn="r" defTabSz="914400" rtl="0" eaLnBrk="1" fontAlgn="auto" latinLnBrk="0" hangingPunct="1">
+              <a:lnSpc>
+                <a:spcPct val="100000"/>
+              </a:lnSpc>
+              <a:spcBef>
+                <a:spcPts val="0"/>
+              </a:spcBef>
+              <a:spcAft>
+                <a:spcPts val="0"/>
+              </a:spcAft>
+              <a:buClrTx/>
+              <a:buSzTx/>
+              <a:buFontTx/>
+              <a:buNone/>
+              <a:tabLst/>
+              <a:defRPr/>
+            </a:pPr>
+            <a:fld id="{33AEA074-24A7-4657-AE02-A51F68EA6AA2}" type="slidenum">
+              <a:rPr kumimoji="0" lang="en-US" sz="1200" b="0" i="0" u="none" strike="noStrike" kern="1200" cap="none" spc="0" normalizeH="0" baseline="0" noProof="0" smtClean="0">
+                <a:ln>
+                  <a:noFill/>
+                </a:ln>
+                <a:solidFill>
+                  <a:prstClr val="black"/>
+                </a:solidFill>
+                <a:effectLst/>
+                <a:uLnTx/>
+                <a:uFillTx/>
+                <a:latin typeface="Calibri" panose="020F0502020204030204"/>
+                <a:ea typeface="+mn-ea"/>
+                <a:cs typeface="+mn-cs"/>
+              </a:rPr>
+              <a:pPr marL="0" marR="0" lvl="0" indent="0" algn="r" defTabSz="914400" rtl="0" eaLnBrk="1" fontAlgn="auto" latinLnBrk="0" hangingPunct="1">
+                <a:lnSpc>
+                  <a:spcPct val="100000"/>
+                </a:lnSpc>
+                <a:spcBef>
+                  <a:spcPts val="0"/>
+                </a:spcBef>
+                <a:spcAft>
+                  <a:spcPts val="0"/>
+                </a:spcAft>
+                <a:buClrTx/>
+                <a:buSzTx/>
+                <a:buFontTx/>
+                <a:buNone/>
+                <a:tabLst/>
+                <a:defRPr/>
+              </a:pPr>
+              <a:t>18</a:t>
+            </a:fld>
+            <a:endParaRPr kumimoji="0" lang="en-US" sz="1200" b="0" i="0" u="none" strike="noStrike" kern="1200" cap="none" spc="0" normalizeH="0" baseline="0" noProof="0" dirty="0">
+              <a:ln>
+                <a:noFill/>
+              </a:ln>
+              <a:solidFill>
+                <a:prstClr val="black"/>
+              </a:solidFill>
+              <a:effectLst/>
+              <a:uLnTx/>
+              <a:uFillTx/>
+              <a:latin typeface="Calibri" panose="020F0502020204030204"/>
+              <a:ea typeface="+mn-ea"/>
+              <a:cs typeface="+mn-cs"/>
+            </a:endParaRPr>
+          </a:p>
+        </p:txBody>
+      </p:sp>
+    </p:spTree>
+    <p:extLst>
+      <p:ext uri="{BB962C8B-B14F-4D97-AF65-F5344CB8AC3E}">
+        <p14:creationId xmlns:p14="http://schemas.microsoft.com/office/powerpoint/2010/main" val="63389642"/>
       </p:ext>
     </p:extLst>
   </p:cSld>
@@ -1621,7 +2116,7 @@
           <a:p>
             <a:fld id="{88D38747-4367-4BD2-8D51-C97E202738E2}" type="datetime1">
               <a:rPr lang="en-US" smtClean="0"/>
-              <a:t>4/26/2022</a:t>
+              <a:t>4/28/2022</a:t>
             </a:fld>
             <a:endParaRPr lang="en-US" dirty="0"/>
           </a:p>
@@ -1926,7 +2421,7 @@
           <a:p>
             <a:fld id="{11F1B079-7EF0-44EE-B798-BCC497C9F3B2}" type="datetime1">
               <a:rPr lang="en-US" smtClean="0"/>
-              <a:t>4/26/2022</a:t>
+              <a:t>4/28/2022</a:t>
             </a:fld>
             <a:endParaRPr lang="en-US" dirty="0"/>
           </a:p>
@@ -2120,7 +2615,7 @@
           <a:p>
             <a:fld id="{28FF70A8-1D13-4657-95F0-A9EA54967B8D}" type="datetime1">
               <a:rPr lang="en-US" smtClean="0"/>
-              <a:t>4/26/2022</a:t>
+              <a:t>4/28/2022</a:t>
             </a:fld>
             <a:endParaRPr lang="en-US" dirty="0"/>
           </a:p>
@@ -2383,7 +2878,7 @@
           <a:p>
             <a:fld id="{21EB90AC-71BD-4C7F-8ACA-7B3F18292E63}" type="datetime1">
               <a:rPr lang="en-US" smtClean="0"/>
-              <a:t>4/26/2022</a:t>
+              <a:t>4/28/2022</a:t>
             </a:fld>
             <a:endParaRPr lang="en-US" dirty="0"/>
           </a:p>
@@ -2819,7 +3314,7 @@
           <a:p>
             <a:fld id="{4E6EFC2C-8905-46F0-B443-CE905B76BA01}" type="datetime1">
               <a:rPr lang="en-US" smtClean="0"/>
-              <a:t>4/26/2022</a:t>
+              <a:t>4/28/2022</a:t>
             </a:fld>
             <a:endParaRPr lang="en-US" dirty="0"/>
           </a:p>
@@ -3356,7 +3851,7 @@
           <a:p>
             <a:fld id="{D9079DC3-C9B5-499E-9140-0DC28B7074E2}" type="datetime1">
               <a:rPr lang="en-US" smtClean="0"/>
-              <a:t>4/26/2022</a:t>
+              <a:t>4/28/2022</a:t>
             </a:fld>
             <a:endParaRPr lang="en-US" dirty="0"/>
           </a:p>
@@ -4238,7 +4733,7 @@
           <a:p>
             <a:fld id="{30BB33EA-E472-4D22-9C03-A9C14AA21CED}" type="datetime1">
               <a:rPr lang="en-US" smtClean="0"/>
-              <a:t>4/26/2022</a:t>
+              <a:t>4/28/2022</a:t>
             </a:fld>
             <a:endParaRPr lang="en-US" dirty="0"/>
           </a:p>
@@ -4408,7 +4903,7 @@
           <a:p>
             <a:fld id="{73C55A3C-5767-4844-A0A3-83778C2E5409}" type="datetime1">
               <a:rPr lang="en-US" smtClean="0"/>
-              <a:t>4/26/2022</a:t>
+              <a:t>4/28/2022</a:t>
             </a:fld>
             <a:endParaRPr lang="en-US" dirty="0"/>
           </a:p>
@@ -4652,7 +5147,7 @@
           <a:p>
             <a:fld id="{CAE507A8-A5CF-4D38-AB86-7EDDA87A85D4}" type="datetime1">
               <a:rPr lang="en-US" smtClean="0"/>
-              <a:t>4/26/2022</a:t>
+              <a:t>4/28/2022</a:t>
             </a:fld>
             <a:endParaRPr lang="en-US" dirty="0"/>
           </a:p>
@@ -4894,7 +5389,7 @@
           <a:p>
             <a:fld id="{BDFCD27C-8599-43EF-BA1D-14DDC1946E06}" type="datetime1">
               <a:rPr lang="en-US" smtClean="0"/>
-              <a:t>4/26/2022</a:t>
+              <a:t>4/28/2022</a:t>
             </a:fld>
             <a:endParaRPr lang="en-US" dirty="0"/>
           </a:p>
@@ -5377,7 +5872,7 @@
           <a:p>
             <a:fld id="{49343D99-809A-49C0-96E5-4250D0B498EE}" type="datetime1">
               <a:rPr lang="en-US" smtClean="0"/>
-              <a:t>4/26/2022</a:t>
+              <a:t>4/28/2022</a:t>
             </a:fld>
             <a:endParaRPr lang="en-US" dirty="0"/>
           </a:p>
@@ -5495,7 +5990,7 @@
           <a:p>
             <a:fld id="{A143DE9B-B678-4EFB-BB7D-A4370204A0B0}" type="datetime1">
               <a:rPr lang="en-US" smtClean="0"/>
-              <a:t>4/26/2022</a:t>
+              <a:t>4/28/2022</a:t>
             </a:fld>
             <a:endParaRPr lang="en-US" dirty="0"/>
           </a:p>
@@ -5590,7 +6085,7 @@
           <a:p>
             <a:fld id="{E68812DA-F765-4142-A6A3-A8ED7235E082}" type="datetime1">
               <a:rPr lang="en-US" smtClean="0"/>
-              <a:t>4/26/2022</a:t>
+              <a:t>4/28/2022</a:t>
             </a:fld>
             <a:endParaRPr lang="en-US" dirty="0"/>
           </a:p>
@@ -5845,7 +6340,7 @@
           <a:p>
             <a:fld id="{3E0277FD-7DE6-41D4-930D-AC99F5AFE54E}" type="datetime1">
               <a:rPr lang="en-US" smtClean="0"/>
-              <a:t>4/26/2022</a:t>
+              <a:t>4/28/2022</a:t>
             </a:fld>
             <a:endParaRPr lang="en-US" dirty="0"/>
           </a:p>
@@ -6152,7 +6647,7 @@
           <a:p>
             <a:fld id="{9EA15526-7079-4B7B-987C-1B5FAE11A0FF}" type="datetime1">
               <a:rPr lang="en-US" smtClean="0"/>
-              <a:t>4/26/2022</a:t>
+              <a:t>4/28/2022</a:t>
             </a:fld>
             <a:endParaRPr lang="en-US" dirty="0"/>
           </a:p>
@@ -6387,7 +6882,7 @@
           <a:p>
             <a:fld id="{073ED0CC-082F-4160-86E5-0D6041F12778}" type="datetime1">
               <a:rPr lang="en-US" smtClean="0"/>
-              <a:t>4/26/2022</a:t>
+              <a:t>4/28/2022</a:t>
             </a:fld>
             <a:endParaRPr lang="en-US" dirty="0"/>
           </a:p>
@@ -7169,7 +7664,7 @@
           </a:effectLst>
           <a:extLst>
             <a:ext uri="{91240B29-F687-4f45-9708-019B960494DF}">
-              <a14:hiddenLine xmlns="" xmlns:a14="http://schemas.microsoft.com/office/drawing/2010/main" xmlns:p14="http://schemas.microsoft.com/office/powerpoint/2010/main" xmlns:a16="http://schemas.microsoft.com/office/drawing/2014/main" w="9525">
+              <a14:hiddenLine xmlns:a16="http://schemas.microsoft.com/office/drawing/2014/main" xmlns:p14="http://schemas.microsoft.com/office/powerpoint/2010/main" xmlns:a14="http://schemas.microsoft.com/office/drawing/2010/main" xmlns="" w="9525">
                 <a:solidFill>
                   <a:srgbClr val="000000"/>
                 </a:solidFill>
@@ -7315,7 +7810,7 @@
       </p:grpSpPr>
       <p:sp useBgFill="1">
         <p:nvSpPr>
-          <p:cNvPr id="14" name="Rectangle 9">
+          <p:cNvPr id="10" name="Rectangle 9">
             <a:extLst>
               <a:ext uri="{FF2B5EF4-FFF2-40B4-BE49-F238E27FC236}">
                 <a16:creationId xmlns:a16="http://schemas.microsoft.com/office/drawing/2014/main" id="{886D4A05-AFD9-4D13-98E7-B23E4C9D785A}"/>
@@ -7378,7 +7873,7 @@
           <p:cNvPr id="2" name="Title 1">
             <a:extLst>
               <a:ext uri="{FF2B5EF4-FFF2-40B4-BE49-F238E27FC236}">
-                <a16:creationId xmlns:a16="http://schemas.microsoft.com/office/drawing/2014/main" id="{AC181917-FF8E-47F2-834F-29E1366E8931}"/>
+                <a16:creationId xmlns:a16="http://schemas.microsoft.com/office/drawing/2014/main" id="{84914750-6032-4FA0-A3C5-94776F057D08}"/>
               </a:ext>
             </a:extLst>
           </p:cNvPr>
@@ -7391,7 +7886,7 @@
         </p:nvSpPr>
         <p:spPr>
           <a:xfrm>
-            <a:off x="1370693" y="4406537"/>
+            <a:off x="1370692" y="4771710"/>
             <a:ext cx="9440034" cy="1088336"/>
           </a:xfrm>
         </p:spPr>
@@ -7402,8 +7897,8 @@
           <a:lstStyle/>
           <a:p>
             <a:r>
-              <a:rPr lang="en-US" sz="3700"/>
-              <a:t>Assaults are most common between 11pm-3am</a:t>
+              <a:rPr lang="en-US" sz="3400" dirty="0"/>
+              <a:t>Offences are most likely to be committed between 10pm – 1am</a:t>
             </a:r>
           </a:p>
         </p:txBody>
@@ -7413,7 +7908,7 @@
           <p:cNvPr id="5" name="Picture 4" descr="Chart, line chart&#10;&#10;Description automatically generated">
             <a:extLst>
               <a:ext uri="{FF2B5EF4-FFF2-40B4-BE49-F238E27FC236}">
-                <a16:creationId xmlns:a16="http://schemas.microsoft.com/office/drawing/2014/main" id="{92D8BAEF-265F-4163-A5B0-C20C79486568}"/>
+                <a16:creationId xmlns:a16="http://schemas.microsoft.com/office/drawing/2014/main" id="{4B29DBAD-49CF-44A8-938F-071B01221A86}"/>
               </a:ext>
             </a:extLst>
           </p:cNvPr>
@@ -7430,8 +7925,8 @@
         </p:blipFill>
         <p:spPr>
           <a:xfrm>
-            <a:off x="3062429" y="643463"/>
-            <a:ext cx="6073929" cy="3249553"/>
+            <a:off x="2313735" y="365173"/>
+            <a:ext cx="7553949" cy="4041364"/>
           </a:xfrm>
           <a:prstGeom prst="rect">
             <a:avLst/>
@@ -7441,7 +7936,7 @@
     </p:spTree>
     <p:extLst>
       <p:ext uri="{BB962C8B-B14F-4D97-AF65-F5344CB8AC3E}">
-        <p14:creationId xmlns:p14="http://schemas.microsoft.com/office/powerpoint/2010/main" val="2562461581"/>
+        <p14:creationId xmlns:p14="http://schemas.microsoft.com/office/powerpoint/2010/main" val="1903985191"/>
       </p:ext>
     </p:extLst>
   </p:cSld>
@@ -7489,7 +7984,7 @@
       </p:grpSpPr>
       <p:sp useBgFill="1">
         <p:nvSpPr>
-          <p:cNvPr id="10" name="Rectangle 9">
+          <p:cNvPr id="14" name="Rectangle 9">
             <a:extLst>
               <a:ext uri="{FF2B5EF4-FFF2-40B4-BE49-F238E27FC236}">
                 <a16:creationId xmlns:a16="http://schemas.microsoft.com/office/drawing/2014/main" id="{886D4A05-AFD9-4D13-98E7-B23E4C9D785A}"/>
@@ -7552,7 +8047,7 @@
           <p:cNvPr id="2" name="Title 1">
             <a:extLst>
               <a:ext uri="{FF2B5EF4-FFF2-40B4-BE49-F238E27FC236}">
-                <a16:creationId xmlns:a16="http://schemas.microsoft.com/office/drawing/2014/main" id="{B38F80D6-6D07-438F-8203-F3396F1A1DF0}"/>
+                <a16:creationId xmlns:a16="http://schemas.microsoft.com/office/drawing/2014/main" id="{AC181917-FF8E-47F2-834F-29E1366E8931}"/>
               </a:ext>
             </a:extLst>
           </p:cNvPr>
@@ -7576,8 +8071,8 @@
           <a:lstStyle/>
           <a:p>
             <a:r>
-              <a:rPr lang="en-US" sz="4100"/>
-              <a:t>Offences can vary greatly month to month</a:t>
+              <a:rPr lang="en-US" sz="3700"/>
+              <a:t>Assaults are most common between 11pm-3am</a:t>
             </a:r>
           </a:p>
         </p:txBody>
@@ -7587,7 +8082,7 @@
           <p:cNvPr id="5" name="Picture 4" descr="Chart, line chart&#10;&#10;Description automatically generated">
             <a:extLst>
               <a:ext uri="{FF2B5EF4-FFF2-40B4-BE49-F238E27FC236}">
-                <a16:creationId xmlns:a16="http://schemas.microsoft.com/office/drawing/2014/main" id="{1F4399B1-FA8E-4C20-9509-06270941D0CD}"/>
+                <a16:creationId xmlns:a16="http://schemas.microsoft.com/office/drawing/2014/main" id="{92D8BAEF-265F-4163-A5B0-C20C79486568}"/>
               </a:ext>
             </a:extLst>
           </p:cNvPr>
@@ -7604,8 +8099,8 @@
         </p:blipFill>
         <p:spPr>
           <a:xfrm>
-            <a:off x="3062429" y="643463"/>
-            <a:ext cx="6073929" cy="3249553"/>
+            <a:off x="2381699" y="651700"/>
+            <a:ext cx="7428601" cy="3974303"/>
           </a:xfrm>
           <a:prstGeom prst="rect">
             <a:avLst/>
@@ -7615,7 +8110,7 @@
     </p:spTree>
     <p:extLst>
       <p:ext uri="{BB962C8B-B14F-4D97-AF65-F5344CB8AC3E}">
-        <p14:creationId xmlns:p14="http://schemas.microsoft.com/office/powerpoint/2010/main" val="1018309221"/>
+        <p14:creationId xmlns:p14="http://schemas.microsoft.com/office/powerpoint/2010/main" val="2562461581"/>
       </p:ext>
     </p:extLst>
   </p:cSld>
@@ -7726,7 +8221,7 @@
           <p:cNvPr id="2" name="Title 1">
             <a:extLst>
               <a:ext uri="{FF2B5EF4-FFF2-40B4-BE49-F238E27FC236}">
-                <a16:creationId xmlns:a16="http://schemas.microsoft.com/office/drawing/2014/main" id="{34EA14F7-3891-4362-8E07-35D657EC97FE}"/>
+                <a16:creationId xmlns:a16="http://schemas.microsoft.com/office/drawing/2014/main" id="{B38F80D6-6D07-438F-8203-F3396F1A1DF0}"/>
               </a:ext>
             </a:extLst>
           </p:cNvPr>
@@ -7739,7 +8234,7 @@
         </p:nvSpPr>
         <p:spPr>
           <a:xfrm>
-            <a:off x="1370693" y="4406537"/>
+            <a:off x="1375983" y="4849483"/>
             <a:ext cx="9440034" cy="1088336"/>
           </a:xfrm>
         </p:spPr>
@@ -7750,8 +8245,8 @@
           <a:lstStyle/>
           <a:p>
             <a:r>
-              <a:rPr lang="en-US" sz="3400"/>
-              <a:t>Introduction of the lockout laws appears to have decreased overall number of assaults</a:t>
+              <a:rPr lang="en-US" sz="4100" dirty="0"/>
+              <a:t>Offences can vary greatly month to month</a:t>
             </a:r>
           </a:p>
         </p:txBody>
@@ -7761,7 +8256,7 @@
           <p:cNvPr id="5" name="Picture 4" descr="Chart, line chart&#10;&#10;Description automatically generated">
             <a:extLst>
               <a:ext uri="{FF2B5EF4-FFF2-40B4-BE49-F238E27FC236}">
-                <a16:creationId xmlns:a16="http://schemas.microsoft.com/office/drawing/2014/main" id="{1C941C29-752A-4A37-B26B-DCCEF59D4BDE}"/>
+                <a16:creationId xmlns:a16="http://schemas.microsoft.com/office/drawing/2014/main" id="{1F4399B1-FA8E-4C20-9509-06270941D0CD}"/>
               </a:ext>
             </a:extLst>
           </p:cNvPr>
@@ -7778,8 +8273,8 @@
         </p:blipFill>
         <p:spPr>
           <a:xfrm>
-            <a:off x="3062429" y="643463"/>
-            <a:ext cx="6073929" cy="3249553"/>
+            <a:off x="2196348" y="610511"/>
+            <a:ext cx="7799304" cy="4172629"/>
           </a:xfrm>
           <a:prstGeom prst="rect">
             <a:avLst/>
@@ -7789,7 +8284,7 @@
     </p:spTree>
     <p:extLst>
       <p:ext uri="{BB962C8B-B14F-4D97-AF65-F5344CB8AC3E}">
-        <p14:creationId xmlns:p14="http://schemas.microsoft.com/office/powerpoint/2010/main" val="1254903517"/>
+        <p14:creationId xmlns:p14="http://schemas.microsoft.com/office/powerpoint/2010/main" val="1018309221"/>
       </p:ext>
     </p:extLst>
   </p:cSld>
@@ -7900,7 +8395,7 @@
           <p:cNvPr id="2" name="Title 1">
             <a:extLst>
               <a:ext uri="{FF2B5EF4-FFF2-40B4-BE49-F238E27FC236}">
-                <a16:creationId xmlns:a16="http://schemas.microsoft.com/office/drawing/2014/main" id="{7B254E4A-4382-4634-927D-4FC4D637298C}"/>
+                <a16:creationId xmlns:a16="http://schemas.microsoft.com/office/drawing/2014/main" id="{34EA14F7-3891-4362-8E07-35D657EC97FE}"/>
               </a:ext>
             </a:extLst>
           </p:cNvPr>
@@ -7913,7 +8408,7 @@
         </p:nvSpPr>
         <p:spPr>
           <a:xfrm>
-            <a:off x="1370693" y="4406537"/>
+            <a:off x="1375983" y="5007898"/>
             <a:ext cx="9440034" cy="1088336"/>
           </a:xfrm>
         </p:spPr>
@@ -7924,8 +8419,8 @@
           <a:lstStyle/>
           <a:p>
             <a:r>
-              <a:rPr lang="en-US" sz="3400"/>
-              <a:t>Drug offences appear to have increased after the introduction of the lockout laws</a:t>
+              <a:rPr lang="en-US" sz="3400" dirty="0"/>
+              <a:t>Introduction of the lockout laws appears to have decreased overall number of assaults</a:t>
             </a:r>
           </a:p>
         </p:txBody>
@@ -7935,7 +8430,7 @@
           <p:cNvPr id="5" name="Picture 4" descr="Chart, line chart&#10;&#10;Description automatically generated">
             <a:extLst>
               <a:ext uri="{FF2B5EF4-FFF2-40B4-BE49-F238E27FC236}">
-                <a16:creationId xmlns:a16="http://schemas.microsoft.com/office/drawing/2014/main" id="{DB2C82B4-20D9-431E-A534-D8144426A7CD}"/>
+                <a16:creationId xmlns:a16="http://schemas.microsoft.com/office/drawing/2014/main" id="{1C941C29-752A-4A37-B26B-DCCEF59D4BDE}"/>
               </a:ext>
             </a:extLst>
           </p:cNvPr>
@@ -7952,8 +8447,8 @@
         </p:blipFill>
         <p:spPr>
           <a:xfrm>
-            <a:off x="3062429" y="643463"/>
-            <a:ext cx="6073929" cy="3249553"/>
+            <a:off x="2128394" y="498948"/>
+            <a:ext cx="7935212" cy="4245340"/>
           </a:xfrm>
           <a:prstGeom prst="rect">
             <a:avLst/>
@@ -7963,7 +8458,7 @@
     </p:spTree>
     <p:extLst>
       <p:ext uri="{BB962C8B-B14F-4D97-AF65-F5344CB8AC3E}">
-        <p14:creationId xmlns:p14="http://schemas.microsoft.com/office/powerpoint/2010/main" val="661474073"/>
+        <p14:creationId xmlns:p14="http://schemas.microsoft.com/office/powerpoint/2010/main" val="1254903517"/>
       </p:ext>
     </p:extLst>
   </p:cSld>
@@ -8009,21 +8504,78 @@
           <a:chExt cx="0" cy="0"/>
         </a:xfrm>
       </p:grpSpPr>
-      <p:sp useBgFill="1">
-        <p:nvSpPr>
-          <p:cNvPr id="10" name="Rectangle 9">
+      <p:sp>
+        <p:nvSpPr>
+          <p:cNvPr id="2" name="Title 1">
             <a:extLst>
               <a:ext uri="{FF2B5EF4-FFF2-40B4-BE49-F238E27FC236}">
-                <a16:creationId xmlns:a16="http://schemas.microsoft.com/office/drawing/2014/main" id="{1E70A317-DCED-4E80-AA2D-467D8702E5CB}"/>
+                <a16:creationId xmlns:a16="http://schemas.microsoft.com/office/drawing/2014/main" id="{0433D765-886E-4540-8634-DCBC5F87F1FC}"/>
+              </a:ext>
+            </a:extLst>
+          </p:cNvPr>
+          <p:cNvSpPr>
+            <a:spLocks noGrp="1"/>
+          </p:cNvSpPr>
+          <p:nvPr>
+            <p:ph type="title"/>
+          </p:nvPr>
+        </p:nvSpPr>
+        <p:spPr>
+          <a:xfrm>
+            <a:off x="633743" y="609599"/>
+            <a:ext cx="3413156" cy="5273675"/>
+          </a:xfrm>
+        </p:spPr>
+        <p:txBody>
+          <a:bodyPr vert="horz" lIns="91440" tIns="45720" rIns="91440" bIns="45720" rtlCol="0">
+            <a:normAutofit/>
+          </a:bodyPr>
+          <a:lstStyle/>
+          <a:p>
+            <a:r>
+              <a:rPr lang="en-US" sz="3600" b="1" dirty="0">
+                <a:effectLst/>
+              </a:rPr>
+              <a:t>Hypothesis Test</a:t>
+            </a:r>
+            <a:br>
+              <a:rPr lang="en-US" sz="2900" dirty="0"/>
+            </a:br>
+            <a:br>
+              <a:rPr lang="en-US" sz="2900" dirty="0"/>
+            </a:br>
+            <a:r>
+              <a:rPr lang="en-US" sz="2900" dirty="0"/>
+              <a:t>Null: The lockout laws had no impact on the number of assaults committed</a:t>
+            </a:r>
+            <a:br>
+              <a:rPr lang="en-US" sz="2900" dirty="0"/>
+            </a:br>
+            <a:br>
+              <a:rPr lang="en-US" sz="2900" dirty="0"/>
+            </a:br>
+            <a:r>
+              <a:rPr lang="en-US" sz="2900" b="1" i="1" dirty="0"/>
+              <a:t>Alternative: The lockout laws did have an impact on the number of assaults committed</a:t>
+            </a:r>
+          </a:p>
+        </p:txBody>
+      </p:sp>
+      <p:pic>
+        <p:nvPicPr>
+          <p:cNvPr id="26" name="Picture 25">
+            <a:extLst>
+              <a:ext uri="{FF2B5EF4-FFF2-40B4-BE49-F238E27FC236}">
+                <a16:creationId xmlns:a16="http://schemas.microsoft.com/office/drawing/2014/main" id="{82AABC82-C2D1-4340-A6DF-6E73DF06FCAC}"/>
               </a:ext>
               <a:ext uri="{C183D7F6-B498-43B3-948B-1728B52AA6E4}">
                 <adec:decorative xmlns:adec="http://schemas.microsoft.com/office/drawing/2017/decorative" val="1"/>
               </a:ext>
             </a:extLst>
           </p:cNvPr>
-          <p:cNvSpPr>
-            <a:spLocks noGrp="1" noRot="1" noChangeAspect="1" noMove="1" noResize="1" noEditPoints="1" noAdjustHandles="1" noChangeArrowheads="1" noChangeShapeType="1" noTextEdit="1"/>
-          </p:cNvSpPr>
+          <p:cNvPicPr>
+            <a:picLocks noGrp="1" noRot="1" noChangeAspect="1" noMove="1" noResize="1" noEditPoints="1" noAdjustHandles="1" noChangeArrowheads="1" noChangeShapeType="1" noCrop="1"/>
+          </p:cNvPicPr>
           <p:nvPr>
             <p:extLst>
               <p:ext uri="{386F3935-93C4-4BCD-93E2-E3B085C9AB24}">
@@ -8031,177 +8583,453 @@
               </p:ext>
             </p:extLst>
           </p:nvPr>
-        </p:nvSpPr>
-        <p:spPr>
-          <a:xfrm>
-            <a:off x="0" y="0"/>
-            <a:ext cx="12192000" cy="6858000"/>
+        </p:nvPicPr>
+        <p:blipFill rotWithShape="1">
+          <a:blip r:embed="rId3">
+            <a:extLst>
+              <a:ext uri="{28A0092B-C50C-407E-A947-70E740481C1C}">
+                <a14:useLocalDpi xmlns:a14="http://schemas.microsoft.com/office/drawing/2010/main" val="0"/>
+              </a:ext>
+            </a:extLst>
+          </a:blip>
+          <a:srcRect t="964" r="2807" b="1446"/>
+          <a:stretch/>
+        </p:blipFill>
+        <p:spPr>
+          <a:xfrm>
+            <a:off x="4639056" y="2"/>
+            <a:ext cx="7552944" cy="6857998"/>
           </a:xfrm>
           <a:prstGeom prst="rect">
             <a:avLst/>
           </a:prstGeom>
-          <a:ln>
-            <a:noFill/>
-          </a:ln>
-        </p:spPr>
-        <p:style>
-          <a:lnRef idx="2">
-            <a:schemeClr val="accent1">
-              <a:shade val="50000"/>
-            </a:schemeClr>
-          </a:lnRef>
-          <a:fillRef idx="1">
-            <a:schemeClr val="accent1"/>
-          </a:fillRef>
-          <a:effectRef idx="0">
-            <a:schemeClr val="accent1"/>
-          </a:effectRef>
-          <a:fontRef idx="minor">
-            <a:schemeClr val="lt1"/>
-          </a:fontRef>
-        </p:style>
-        <p:txBody>
-          <a:bodyPr rtlCol="0" anchor="ctr"/>
-          <a:lstStyle/>
-          <a:p>
-            <a:pPr algn="ctr"/>
-            <a:endParaRPr lang="en-US"/>
-          </a:p>
-        </p:txBody>
-      </p:sp>
-      <p:sp>
-        <p:nvSpPr>
-          <p:cNvPr id="2" name="Title 1">
+        </p:spPr>
+      </p:pic>
+      <p:graphicFrame>
+        <p:nvGraphicFramePr>
+          <p:cNvPr id="21" name="Table 5">
             <a:extLst>
               <a:ext uri="{FF2B5EF4-FFF2-40B4-BE49-F238E27FC236}">
-                <a16:creationId xmlns:a16="http://schemas.microsoft.com/office/drawing/2014/main" id="{3899A00B-0273-4184-B977-63C35FD11D97}"/>
+                <a16:creationId xmlns:a16="http://schemas.microsoft.com/office/drawing/2014/main" id="{03D6F0F8-73D2-456C-983B-B64ADEC84FE1}"/>
               </a:ext>
             </a:extLst>
           </p:cNvPr>
-          <p:cNvSpPr>
-            <a:spLocks noGrp="1"/>
-          </p:cNvSpPr>
-          <p:nvPr>
-            <p:ph type="title"/>
-          </p:nvPr>
-        </p:nvSpPr>
-        <p:spPr>
-          <a:xfrm>
-            <a:off x="861791" y="835383"/>
-            <a:ext cx="3382832" cy="3499549"/>
-          </a:xfrm>
-        </p:spPr>
-        <p:txBody>
-          <a:bodyPr vert="horz" lIns="91440" tIns="45720" rIns="91440" bIns="45720" rtlCol="0" anchor="b">
-            <a:normAutofit/>
-          </a:bodyPr>
-          <a:lstStyle/>
-          <a:p>
-            <a:pPr algn="l"/>
-            <a:r>
-              <a:rPr lang="en-US" sz="3900"/>
-              <a:t>Sydney CBD and Inner Suburbs have the highest number of offences</a:t>
-            </a:r>
-          </a:p>
-        </p:txBody>
-      </p:sp>
-      <p:sp>
-        <p:nvSpPr>
-          <p:cNvPr id="12" name="Rectangle 11">
-            <a:extLst>
-              <a:ext uri="{FF2B5EF4-FFF2-40B4-BE49-F238E27FC236}">
-                <a16:creationId xmlns:a16="http://schemas.microsoft.com/office/drawing/2014/main" id="{A6D87845-294F-40CB-BC48-46455460D292}"/>
-              </a:ext>
-              <a:ext uri="{C183D7F6-B498-43B3-948B-1728B52AA6E4}">
-                <adec:decorative xmlns:adec="http://schemas.microsoft.com/office/drawing/2017/decorative" val="1"/>
-              </a:ext>
-            </a:extLst>
-          </p:cNvPr>
-          <p:cNvSpPr>
-            <a:spLocks noGrp="1" noRot="1" noChangeAspect="1" noMove="1" noResize="1" noEditPoints="1" noAdjustHandles="1" noChangeArrowheads="1" noChangeShapeType="1" noTextEdit="1"/>
-          </p:cNvSpPr>
-          <p:nvPr>
+          <p:cNvGraphicFramePr>
+            <a:graphicFrameLocks noGrp="1"/>
+          </p:cNvGraphicFramePr>
+          <p:nvPr>
+            <p:ph idx="1"/>
             <p:extLst>
-              <p:ext uri="{386F3935-93C4-4BCD-93E2-E3B085C9AB24}">
-                <p16:designElem xmlns:p16="http://schemas.microsoft.com/office/powerpoint/2015/main" val="1"/>
+              <p:ext uri="{D42A27DB-BD31-4B8C-83A1-F6EECF244321}">
+                <p14:modId xmlns:p14="http://schemas.microsoft.com/office/powerpoint/2010/main" val="840511630"/>
               </p:ext>
             </p:extLst>
           </p:nvPr>
-        </p:nvSpPr>
-        <p:spPr>
-          <a:xfrm>
-            <a:off x="4655671" y="0"/>
-            <a:ext cx="7536329" cy="6858000"/>
-          </a:xfrm>
-          <a:prstGeom prst="rect">
-            <a:avLst/>
-          </a:prstGeom>
-          <a:solidFill>
-            <a:schemeClr val="tx1"/>
-          </a:solidFill>
-          <a:ln>
-            <a:noFill/>
-          </a:ln>
-        </p:spPr>
-        <p:style>
-          <a:lnRef idx="2">
-            <a:schemeClr val="accent1">
-              <a:shade val="50000"/>
-            </a:schemeClr>
-          </a:lnRef>
-          <a:fillRef idx="1">
-            <a:schemeClr val="accent1"/>
-          </a:fillRef>
-          <a:effectRef idx="0">
-            <a:schemeClr val="accent1"/>
-          </a:effectRef>
-          <a:fontRef idx="minor">
-            <a:schemeClr val="lt1"/>
-          </a:fontRef>
-        </p:style>
-        <p:txBody>
-          <a:bodyPr rtlCol="0" anchor="ctr"/>
-          <a:lstStyle/>
-          <a:p>
-            <a:pPr algn="ctr"/>
-            <a:endParaRPr lang="en-US"/>
-          </a:p>
-        </p:txBody>
-      </p:sp>
-      <p:pic>
-        <p:nvPicPr>
-          <p:cNvPr id="5" name="Picture 4" descr="Chart, bar chart&#10;&#10;Description automatically generated">
-            <a:extLst>
-              <a:ext uri="{FF2B5EF4-FFF2-40B4-BE49-F238E27FC236}">
-                <a16:creationId xmlns:a16="http://schemas.microsoft.com/office/drawing/2014/main" id="{3CF91220-5758-478B-BF80-D28D625474C9}"/>
-              </a:ext>
-            </a:extLst>
-          </p:cNvPr>
-          <p:cNvPicPr>
-            <a:picLocks noChangeAspect="1"/>
-          </p:cNvPicPr>
-          <p:nvPr/>
-        </p:nvPicPr>
-        <p:blipFill>
-          <a:blip r:embed="rId3"/>
-          <a:stretch>
-            <a:fillRect/>
-          </a:stretch>
-        </p:blipFill>
-        <p:spPr>
-          <a:xfrm>
-            <a:off x="5324315" y="1771124"/>
-            <a:ext cx="6197668" cy="3315752"/>
-          </a:xfrm>
-          <a:prstGeom prst="rect">
-            <a:avLst/>
-          </a:prstGeom>
-        </p:spPr>
-      </p:pic>
+        </p:nvGraphicFramePr>
+        <p:xfrm>
+          <a:off x="5282521" y="1749519"/>
+          <a:ext cx="6266012" cy="2819876"/>
+        </p:xfrm>
+        <a:graphic>
+          <a:graphicData uri="http://schemas.openxmlformats.org/drawingml/2006/table">
+            <a:tbl>
+              <a:tblPr firstRow="1" bandRow="1">
+                <a:noFill/>
+                <a:tableStyleId>{5C22544A-7EE6-4342-B048-85BDC9FD1C3A}</a:tableStyleId>
+              </a:tblPr>
+              <a:tblGrid>
+                <a:gridCol w="1046679">
+                  <a:extLst>
+                    <a:ext uri="{9D8B030D-6E8A-4147-A177-3AD203B41FA5}">
+                      <a16:colId xmlns:a16="http://schemas.microsoft.com/office/drawing/2014/main" val="16186918"/>
+                    </a:ext>
+                  </a:extLst>
+                </a:gridCol>
+                <a:gridCol w="1734600">
+                  <a:extLst>
+                    <a:ext uri="{9D8B030D-6E8A-4147-A177-3AD203B41FA5}">
+                      <a16:colId xmlns:a16="http://schemas.microsoft.com/office/drawing/2014/main" val="3037708283"/>
+                    </a:ext>
+                  </a:extLst>
+                </a:gridCol>
+                <a:gridCol w="1734600">
+                  <a:extLst>
+                    <a:ext uri="{9D8B030D-6E8A-4147-A177-3AD203B41FA5}">
+                      <a16:colId xmlns:a16="http://schemas.microsoft.com/office/drawing/2014/main" val="3040219018"/>
+                    </a:ext>
+                  </a:extLst>
+                </a:gridCol>
+                <a:gridCol w="1750133">
+                  <a:extLst>
+                    <a:ext uri="{9D8B030D-6E8A-4147-A177-3AD203B41FA5}">
+                      <a16:colId xmlns:a16="http://schemas.microsoft.com/office/drawing/2014/main" val="1569181034"/>
+                    </a:ext>
+                  </a:extLst>
+                </a:gridCol>
+              </a:tblGrid>
+              <a:tr h="1896862">
+                <a:tc>
+                  <a:txBody>
+                    <a:bodyPr/>
+                    <a:lstStyle/>
+                    <a:p>
+                      <a:endParaRPr lang="en-AU" sz="2400">
+                        <a:solidFill>
+                          <a:schemeClr val="tx1">
+                            <a:lumMod val="75000"/>
+                            <a:lumOff val="25000"/>
+                          </a:schemeClr>
+                        </a:solidFill>
+                      </a:endParaRPr>
+                    </a:p>
+                  </a:txBody>
+                  <a:tcPr marL="308247" marR="184948" marT="184948" marB="184948">
+                    <a:lnL w="12700" cmpd="sng">
+                      <a:noFill/>
+                      <a:prstDash val="solid"/>
+                    </a:lnL>
+                    <a:lnR w="12700" cmpd="sng">
+                      <a:noFill/>
+                      <a:prstDash val="solid"/>
+                    </a:lnR>
+                    <a:lnT w="19050" cap="flat" cmpd="sng" algn="ctr">
+                      <a:solidFill>
+                        <a:srgbClr val="8F9A9D">
+                          <a:alpha val="60000"/>
+                        </a:srgbClr>
+                      </a:solidFill>
+                      <a:prstDash val="solid"/>
+                    </a:lnT>
+                    <a:lnB w="12700" cmpd="sng">
+                      <a:noFill/>
+                      <a:prstDash val="solid"/>
+                    </a:lnB>
+                    <a:noFill/>
+                  </a:tcPr>
+                </a:tc>
+                <a:tc>
+                  <a:txBody>
+                    <a:bodyPr/>
+                    <a:lstStyle/>
+                    <a:p>
+                      <a:r>
+                        <a:rPr lang="en-AU" sz="2400">
+                          <a:solidFill>
+                            <a:schemeClr val="tx1">
+                              <a:lumMod val="75000"/>
+                              <a:lumOff val="25000"/>
+                            </a:schemeClr>
+                          </a:solidFill>
+                        </a:rPr>
+                        <a:t>Pre Lockout Laws (Mean)</a:t>
+                      </a:r>
+                    </a:p>
+                  </a:txBody>
+                  <a:tcPr marL="308247" marR="184948" marT="184948" marB="184948">
+                    <a:lnL w="12700" cmpd="sng">
+                      <a:noFill/>
+                      <a:prstDash val="solid"/>
+                    </a:lnL>
+                    <a:lnR w="12700" cmpd="sng">
+                      <a:noFill/>
+                      <a:prstDash val="solid"/>
+                    </a:lnR>
+                    <a:lnT w="19050" cap="flat" cmpd="sng" algn="ctr">
+                      <a:solidFill>
+                        <a:srgbClr val="8F9A9D">
+                          <a:alpha val="60000"/>
+                        </a:srgbClr>
+                      </a:solidFill>
+                      <a:prstDash val="solid"/>
+                    </a:lnT>
+                    <a:lnB w="12700" cmpd="sng">
+                      <a:noFill/>
+                      <a:prstDash val="solid"/>
+                    </a:lnB>
+                    <a:noFill/>
+                  </a:tcPr>
+                </a:tc>
+                <a:tc>
+                  <a:txBody>
+                    <a:bodyPr/>
+                    <a:lstStyle/>
+                    <a:p>
+                      <a:r>
+                        <a:rPr lang="en-AU" sz="2400">
+                          <a:solidFill>
+                            <a:schemeClr val="tx1">
+                              <a:lumMod val="75000"/>
+                              <a:lumOff val="25000"/>
+                            </a:schemeClr>
+                          </a:solidFill>
+                        </a:rPr>
+                        <a:t>Post Lockout Laws (Mean)</a:t>
+                      </a:r>
+                    </a:p>
+                  </a:txBody>
+                  <a:tcPr marL="308247" marR="184948" marT="184948" marB="184948">
+                    <a:lnL w="12700" cmpd="sng">
+                      <a:noFill/>
+                      <a:prstDash val="solid"/>
+                    </a:lnL>
+                    <a:lnR w="12700" cmpd="sng">
+                      <a:noFill/>
+                      <a:prstDash val="solid"/>
+                    </a:lnR>
+                    <a:lnT w="19050" cap="flat" cmpd="sng" algn="ctr">
+                      <a:solidFill>
+                        <a:srgbClr val="8F9A9D">
+                          <a:alpha val="60000"/>
+                        </a:srgbClr>
+                      </a:solidFill>
+                      <a:prstDash val="solid"/>
+                    </a:lnT>
+                    <a:lnB w="12700" cmpd="sng">
+                      <a:noFill/>
+                      <a:prstDash val="solid"/>
+                    </a:lnB>
+                    <a:noFill/>
+                  </a:tcPr>
+                </a:tc>
+                <a:tc>
+                  <a:txBody>
+                    <a:bodyPr/>
+                    <a:lstStyle/>
+                    <a:p>
+                      <a:r>
+                        <a:rPr lang="en-AU" sz="2400">
+                          <a:solidFill>
+                            <a:schemeClr val="tx1">
+                              <a:lumMod val="75000"/>
+                              <a:lumOff val="25000"/>
+                            </a:schemeClr>
+                          </a:solidFill>
+                        </a:rPr>
+                        <a:t>P-Value</a:t>
+                      </a:r>
+                    </a:p>
+                  </a:txBody>
+                  <a:tcPr marL="308247" marR="184948" marT="184948" marB="184948">
+                    <a:lnL w="12700" cmpd="sng">
+                      <a:noFill/>
+                      <a:prstDash val="solid"/>
+                    </a:lnL>
+                    <a:lnR w="12700" cmpd="sng">
+                      <a:noFill/>
+                      <a:prstDash val="solid"/>
+                    </a:lnR>
+                    <a:lnT w="19050" cap="flat" cmpd="sng" algn="ctr">
+                      <a:solidFill>
+                        <a:srgbClr val="8F9A9D">
+                          <a:alpha val="60000"/>
+                        </a:srgbClr>
+                      </a:solidFill>
+                      <a:prstDash val="solid"/>
+                    </a:lnT>
+                    <a:lnB w="12700" cmpd="sng">
+                      <a:noFill/>
+                      <a:prstDash val="solid"/>
+                    </a:lnB>
+                    <a:noFill/>
+                  </a:tcPr>
+                </a:tc>
+                <a:extLst>
+                  <a:ext uri="{0D108BD9-81ED-4DB2-BD59-A6C34878D82A}">
+                    <a16:rowId xmlns:a16="http://schemas.microsoft.com/office/drawing/2014/main" val="1173428418"/>
+                  </a:ext>
+                </a:extLst>
+              </a:tr>
+              <a:tr h="923014">
+                <a:tc>
+                  <a:txBody>
+                    <a:bodyPr/>
+                    <a:lstStyle/>
+                    <a:p>
+                      <a:r>
+                        <a:rPr lang="en-AU" sz="1900" dirty="0">
+                          <a:solidFill>
+                            <a:schemeClr val="tx1">
+                              <a:lumMod val="75000"/>
+                              <a:lumOff val="25000"/>
+                            </a:schemeClr>
+                          </a:solidFill>
+                        </a:rPr>
+                        <a:t>T-test </a:t>
+                      </a:r>
+                    </a:p>
+                  </a:txBody>
+                  <a:tcPr marL="308247" marR="160289" marT="160289" marB="160289">
+                    <a:lnL w="12700" cmpd="sng">
+                      <a:noFill/>
+                      <a:prstDash val="solid"/>
+                    </a:lnL>
+                    <a:lnR w="12700" cmpd="sng">
+                      <a:noFill/>
+                      <a:prstDash val="solid"/>
+                    </a:lnR>
+                    <a:lnT w="12700" cmpd="sng">
+                      <a:noFill/>
+                      <a:prstDash val="solid"/>
+                    </a:lnT>
+                    <a:lnB w="19050" cap="flat" cmpd="sng" algn="ctr">
+                      <a:solidFill>
+                        <a:srgbClr val="FFFFFF"/>
+                      </a:solidFill>
+                      <a:prstDash val="solid"/>
+                    </a:lnB>
+                    <a:solidFill>
+                      <a:srgbClr val="B4BCBE">
+                        <a:alpha val="34902"/>
+                      </a:srgbClr>
+                    </a:solidFill>
+                  </a:tcPr>
+                </a:tc>
+                <a:tc>
+                  <a:txBody>
+                    <a:bodyPr/>
+                    <a:lstStyle/>
+                    <a:p>
+                      <a:r>
+                        <a:rPr lang="en-AU" sz="1900" dirty="0">
+                          <a:solidFill>
+                            <a:schemeClr val="tx1">
+                              <a:lumMod val="75000"/>
+                              <a:lumOff val="25000"/>
+                            </a:schemeClr>
+                          </a:solidFill>
+                        </a:rPr>
+                        <a:t>632</a:t>
+                      </a:r>
+                    </a:p>
+                  </a:txBody>
+                  <a:tcPr marL="308247" marR="160289" marT="160289" marB="160289">
+                    <a:lnL w="12700" cmpd="sng">
+                      <a:noFill/>
+                      <a:prstDash val="solid"/>
+                    </a:lnL>
+                    <a:lnR w="12700" cmpd="sng">
+                      <a:noFill/>
+                      <a:prstDash val="solid"/>
+                    </a:lnR>
+                    <a:lnT w="12700" cmpd="sng">
+                      <a:noFill/>
+                      <a:prstDash val="solid"/>
+                    </a:lnT>
+                    <a:lnB w="19050" cap="flat" cmpd="sng" algn="ctr">
+                      <a:solidFill>
+                        <a:srgbClr val="FFFFFF"/>
+                      </a:solidFill>
+                      <a:prstDash val="solid"/>
+                    </a:lnB>
+                    <a:solidFill>
+                      <a:srgbClr val="B4BCBE">
+                        <a:alpha val="34902"/>
+                      </a:srgbClr>
+                    </a:solidFill>
+                  </a:tcPr>
+                </a:tc>
+                <a:tc>
+                  <a:txBody>
+                    <a:bodyPr/>
+                    <a:lstStyle/>
+                    <a:p>
+                      <a:r>
+                        <a:rPr lang="en-AU" sz="1900" dirty="0">
+                          <a:solidFill>
+                            <a:schemeClr val="tx1">
+                              <a:lumMod val="75000"/>
+                              <a:lumOff val="25000"/>
+                            </a:schemeClr>
+                          </a:solidFill>
+                        </a:rPr>
+                        <a:t>590</a:t>
+                      </a:r>
+                    </a:p>
+                  </a:txBody>
+                  <a:tcPr marL="308247" marR="160289" marT="160289" marB="160289">
+                    <a:lnL w="12700" cmpd="sng">
+                      <a:noFill/>
+                      <a:prstDash val="solid"/>
+                    </a:lnL>
+                    <a:lnR w="12700" cmpd="sng">
+                      <a:noFill/>
+                      <a:prstDash val="solid"/>
+                    </a:lnR>
+                    <a:lnT w="12700" cmpd="sng">
+                      <a:noFill/>
+                      <a:prstDash val="solid"/>
+                    </a:lnT>
+                    <a:lnB w="19050" cap="flat" cmpd="sng" algn="ctr">
+                      <a:solidFill>
+                        <a:srgbClr val="FFFFFF"/>
+                      </a:solidFill>
+                      <a:prstDash val="solid"/>
+                    </a:lnB>
+                    <a:solidFill>
+                      <a:srgbClr val="B4BCBE">
+                        <a:alpha val="34902"/>
+                      </a:srgbClr>
+                    </a:solidFill>
+                  </a:tcPr>
+                </a:tc>
+                <a:tc>
+                  <a:txBody>
+                    <a:bodyPr/>
+                    <a:lstStyle/>
+                    <a:p>
+                      <a:r>
+                        <a:rPr lang="en-AU" sz="1900" dirty="0">
+                          <a:solidFill>
+                            <a:schemeClr val="tx1">
+                              <a:lumMod val="75000"/>
+                              <a:lumOff val="25000"/>
+                            </a:schemeClr>
+                          </a:solidFill>
+                        </a:rPr>
+                        <a:t>0.024</a:t>
+                      </a:r>
+                    </a:p>
+                  </a:txBody>
+                  <a:tcPr marL="308247" marR="160289" marT="160289" marB="160289">
+                    <a:lnL w="12700" cmpd="sng">
+                      <a:noFill/>
+                      <a:prstDash val="solid"/>
+                    </a:lnL>
+                    <a:lnR w="12700" cmpd="sng">
+                      <a:noFill/>
+                      <a:prstDash val="solid"/>
+                    </a:lnR>
+                    <a:lnT w="12700" cmpd="sng">
+                      <a:noFill/>
+                      <a:prstDash val="solid"/>
+                    </a:lnT>
+                    <a:lnB w="19050" cap="flat" cmpd="sng" algn="ctr">
+                      <a:solidFill>
+                        <a:srgbClr val="FFFFFF"/>
+                      </a:solidFill>
+                      <a:prstDash val="solid"/>
+                    </a:lnB>
+                    <a:solidFill>
+                      <a:srgbClr val="B4BCBE">
+                        <a:alpha val="34902"/>
+                      </a:srgbClr>
+                    </a:solidFill>
+                  </a:tcPr>
+                </a:tc>
+                <a:extLst>
+                  <a:ext uri="{0D108BD9-81ED-4DB2-BD59-A6C34878D82A}">
+                    <a16:rowId xmlns:a16="http://schemas.microsoft.com/office/drawing/2014/main" val="450126815"/>
+                  </a:ext>
+                </a:extLst>
+              </a:tr>
+            </a:tbl>
+          </a:graphicData>
+        </a:graphic>
+      </p:graphicFrame>
     </p:spTree>
     <p:extLst>
       <p:ext uri="{BB962C8B-B14F-4D97-AF65-F5344CB8AC3E}">
-        <p14:creationId xmlns:p14="http://schemas.microsoft.com/office/powerpoint/2010/main" val="1555770898"/>
+        <p14:creationId xmlns:p14="http://schemas.microsoft.com/office/powerpoint/2010/main" val="2296608955"/>
       </p:ext>
     </p:extLst>
   </p:cSld>
@@ -8252,6 +9080,418 @@
           <p:cNvPr id="10" name="Rectangle 9">
             <a:extLst>
               <a:ext uri="{FF2B5EF4-FFF2-40B4-BE49-F238E27FC236}">
+                <a16:creationId xmlns:a16="http://schemas.microsoft.com/office/drawing/2014/main" id="{886D4A05-AFD9-4D13-98E7-B23E4C9D785A}"/>
+              </a:ext>
+              <a:ext uri="{C183D7F6-B498-43B3-948B-1728B52AA6E4}">
+                <adec:decorative xmlns:adec="http://schemas.microsoft.com/office/drawing/2017/decorative" val="1"/>
+              </a:ext>
+            </a:extLst>
+          </p:cNvPr>
+          <p:cNvSpPr>
+            <a:spLocks noGrp="1" noRot="1" noChangeAspect="1" noMove="1" noResize="1" noEditPoints="1" noAdjustHandles="1" noChangeArrowheads="1" noChangeShapeType="1" noTextEdit="1"/>
+          </p:cNvSpPr>
+          <p:nvPr>
+            <p:extLst>
+              <p:ext uri="{386F3935-93C4-4BCD-93E2-E3B085C9AB24}">
+                <p16:designElem xmlns:p16="http://schemas.microsoft.com/office/powerpoint/2015/main" val="1"/>
+              </p:ext>
+            </p:extLst>
+          </p:nvPr>
+        </p:nvSpPr>
+        <p:spPr>
+          <a:xfrm>
+            <a:off x="0" y="0"/>
+            <a:ext cx="12192000" cy="6858000"/>
+          </a:xfrm>
+          <a:prstGeom prst="rect">
+            <a:avLst/>
+          </a:prstGeom>
+          <a:ln>
+            <a:noFill/>
+          </a:ln>
+        </p:spPr>
+        <p:style>
+          <a:lnRef idx="2">
+            <a:schemeClr val="accent1">
+              <a:shade val="50000"/>
+            </a:schemeClr>
+          </a:lnRef>
+          <a:fillRef idx="1">
+            <a:schemeClr val="accent1"/>
+          </a:fillRef>
+          <a:effectRef idx="0">
+            <a:schemeClr val="accent1"/>
+          </a:effectRef>
+          <a:fontRef idx="minor">
+            <a:schemeClr val="lt1"/>
+          </a:fontRef>
+        </p:style>
+        <p:txBody>
+          <a:bodyPr rtlCol="0" anchor="ctr"/>
+          <a:lstStyle/>
+          <a:p>
+            <a:pPr algn="ctr"/>
+            <a:endParaRPr lang="en-US"/>
+          </a:p>
+        </p:txBody>
+      </p:sp>
+      <p:sp>
+        <p:nvSpPr>
+          <p:cNvPr id="2" name="Title 1">
+            <a:extLst>
+              <a:ext uri="{FF2B5EF4-FFF2-40B4-BE49-F238E27FC236}">
+                <a16:creationId xmlns:a16="http://schemas.microsoft.com/office/drawing/2014/main" id="{7B254E4A-4382-4634-927D-4FC4D637298C}"/>
+              </a:ext>
+            </a:extLst>
+          </p:cNvPr>
+          <p:cNvSpPr>
+            <a:spLocks noGrp="1"/>
+          </p:cNvSpPr>
+          <p:nvPr>
+            <p:ph type="title"/>
+          </p:nvPr>
+        </p:nvSpPr>
+        <p:spPr>
+          <a:xfrm>
+            <a:off x="1375983" y="4909045"/>
+            <a:ext cx="9440034" cy="1088336"/>
+          </a:xfrm>
+        </p:spPr>
+        <p:txBody>
+          <a:bodyPr vert="horz" lIns="91440" tIns="45720" rIns="91440" bIns="45720" rtlCol="0" anchor="b">
+            <a:normAutofit/>
+          </a:bodyPr>
+          <a:lstStyle/>
+          <a:p>
+            <a:r>
+              <a:rPr lang="en-US" sz="3400"/>
+              <a:t>Drug offences appear to have increased after the introduction of the lockout laws</a:t>
+            </a:r>
+          </a:p>
+        </p:txBody>
+      </p:sp>
+      <p:pic>
+        <p:nvPicPr>
+          <p:cNvPr id="5" name="Picture 4" descr="Chart, line chart&#10;&#10;Description automatically generated">
+            <a:extLst>
+              <a:ext uri="{FF2B5EF4-FFF2-40B4-BE49-F238E27FC236}">
+                <a16:creationId xmlns:a16="http://schemas.microsoft.com/office/drawing/2014/main" id="{DB2C82B4-20D9-431E-A534-D8144426A7CD}"/>
+              </a:ext>
+            </a:extLst>
+          </p:cNvPr>
+          <p:cNvPicPr>
+            <a:picLocks noChangeAspect="1"/>
+          </p:cNvPicPr>
+          <p:nvPr/>
+        </p:nvPicPr>
+        <p:blipFill>
+          <a:blip r:embed="rId3"/>
+          <a:stretch>
+            <a:fillRect/>
+          </a:stretch>
+        </p:blipFill>
+        <p:spPr>
+          <a:xfrm>
+            <a:off x="2393676" y="585799"/>
+            <a:ext cx="7404648" cy="3961488"/>
+          </a:xfrm>
+          <a:prstGeom prst="rect">
+            <a:avLst/>
+          </a:prstGeom>
+        </p:spPr>
+      </p:pic>
+    </p:spTree>
+    <p:extLst>
+      <p:ext uri="{BB962C8B-B14F-4D97-AF65-F5344CB8AC3E}">
+        <p14:creationId xmlns:p14="http://schemas.microsoft.com/office/powerpoint/2010/main" val="661474073"/>
+      </p:ext>
+    </p:extLst>
+  </p:cSld>
+  <p:clrMapOvr>
+    <a:masterClrMapping/>
+  </p:clrMapOvr>
+</p:sld>
+</file>
+
+<file path=ppt/slides/slide16.xml><?xml version="1.0" encoding="utf-8"?>
+<p:sld xmlns:a="http://schemas.openxmlformats.org/drawingml/2006/main" xmlns:r="http://schemas.openxmlformats.org/officeDocument/2006/relationships" xmlns:p="http://schemas.openxmlformats.org/presentationml/2006/main">
+  <p:cSld>
+    <p:bg>
+      <p:bgPr>
+        <a:blipFill rotWithShape="1">
+          <a:blip r:embed="rId2">
+            <a:duotone>
+              <a:schemeClr val="bg1">
+                <a:shade val="80000"/>
+                <a:lumMod val="80000"/>
+              </a:schemeClr>
+              <a:schemeClr val="bg1">
+                <a:tint val="98000"/>
+              </a:schemeClr>
+            </a:duotone>
+          </a:blip>
+          <a:stretch/>
+        </a:blipFill>
+        <a:effectLst/>
+      </p:bgPr>
+    </p:bg>
+    <p:spTree>
+      <p:nvGrpSpPr>
+        <p:cNvPr id="1" name=""/>
+        <p:cNvGrpSpPr/>
+        <p:nvPr/>
+      </p:nvGrpSpPr>
+      <p:grpSpPr>
+        <a:xfrm>
+          <a:off x="0" y="0"/>
+          <a:ext cx="0" cy="0"/>
+          <a:chOff x="0" y="0"/>
+          <a:chExt cx="0" cy="0"/>
+        </a:xfrm>
+      </p:grpSpPr>
+      <p:sp useBgFill="1">
+        <p:nvSpPr>
+          <p:cNvPr id="10" name="Rectangle 9">
+            <a:extLst>
+              <a:ext uri="{FF2B5EF4-FFF2-40B4-BE49-F238E27FC236}">
+                <a16:creationId xmlns:a16="http://schemas.microsoft.com/office/drawing/2014/main" id="{1E70A317-DCED-4E80-AA2D-467D8702E5CB}"/>
+              </a:ext>
+              <a:ext uri="{C183D7F6-B498-43B3-948B-1728B52AA6E4}">
+                <adec:decorative xmlns:adec="http://schemas.microsoft.com/office/drawing/2017/decorative" val="1"/>
+              </a:ext>
+            </a:extLst>
+          </p:cNvPr>
+          <p:cNvSpPr>
+            <a:spLocks noGrp="1" noRot="1" noChangeAspect="1" noMove="1" noResize="1" noEditPoints="1" noAdjustHandles="1" noChangeArrowheads="1" noChangeShapeType="1" noTextEdit="1"/>
+          </p:cNvSpPr>
+          <p:nvPr>
+            <p:extLst>
+              <p:ext uri="{386F3935-93C4-4BCD-93E2-E3B085C9AB24}">
+                <p16:designElem xmlns:p16="http://schemas.microsoft.com/office/powerpoint/2015/main" val="1"/>
+              </p:ext>
+            </p:extLst>
+          </p:nvPr>
+        </p:nvSpPr>
+        <p:spPr>
+          <a:xfrm>
+            <a:off x="0" y="0"/>
+            <a:ext cx="12192000" cy="6858000"/>
+          </a:xfrm>
+          <a:prstGeom prst="rect">
+            <a:avLst/>
+          </a:prstGeom>
+          <a:ln>
+            <a:noFill/>
+          </a:ln>
+        </p:spPr>
+        <p:style>
+          <a:lnRef idx="2">
+            <a:schemeClr val="accent1">
+              <a:shade val="50000"/>
+            </a:schemeClr>
+          </a:lnRef>
+          <a:fillRef idx="1">
+            <a:schemeClr val="accent1"/>
+          </a:fillRef>
+          <a:effectRef idx="0">
+            <a:schemeClr val="accent1"/>
+          </a:effectRef>
+          <a:fontRef idx="minor">
+            <a:schemeClr val="lt1"/>
+          </a:fontRef>
+        </p:style>
+        <p:txBody>
+          <a:bodyPr rtlCol="0" anchor="ctr"/>
+          <a:lstStyle/>
+          <a:p>
+            <a:pPr algn="ctr"/>
+            <a:endParaRPr lang="en-US"/>
+          </a:p>
+        </p:txBody>
+      </p:sp>
+      <p:sp>
+        <p:nvSpPr>
+          <p:cNvPr id="2" name="Title 1">
+            <a:extLst>
+              <a:ext uri="{FF2B5EF4-FFF2-40B4-BE49-F238E27FC236}">
+                <a16:creationId xmlns:a16="http://schemas.microsoft.com/office/drawing/2014/main" id="{3899A00B-0273-4184-B977-63C35FD11D97}"/>
+              </a:ext>
+            </a:extLst>
+          </p:cNvPr>
+          <p:cNvSpPr>
+            <a:spLocks noGrp="1"/>
+          </p:cNvSpPr>
+          <p:nvPr>
+            <p:ph type="title"/>
+          </p:nvPr>
+        </p:nvSpPr>
+        <p:spPr>
+          <a:xfrm>
+            <a:off x="861791" y="835383"/>
+            <a:ext cx="3382832" cy="3499549"/>
+          </a:xfrm>
+        </p:spPr>
+        <p:txBody>
+          <a:bodyPr vert="horz" lIns="91440" tIns="45720" rIns="91440" bIns="45720" rtlCol="0" anchor="b">
+            <a:normAutofit/>
+          </a:bodyPr>
+          <a:lstStyle/>
+          <a:p>
+            <a:pPr algn="l"/>
+            <a:r>
+              <a:rPr lang="en-US" sz="3900"/>
+              <a:t>Sydney CBD and Inner Suburbs have the highest number of offences</a:t>
+            </a:r>
+          </a:p>
+        </p:txBody>
+      </p:sp>
+      <p:sp>
+        <p:nvSpPr>
+          <p:cNvPr id="12" name="Rectangle 11">
+            <a:extLst>
+              <a:ext uri="{FF2B5EF4-FFF2-40B4-BE49-F238E27FC236}">
+                <a16:creationId xmlns:a16="http://schemas.microsoft.com/office/drawing/2014/main" id="{A6D87845-294F-40CB-BC48-46455460D292}"/>
+              </a:ext>
+              <a:ext uri="{C183D7F6-B498-43B3-948B-1728B52AA6E4}">
+                <adec:decorative xmlns:adec="http://schemas.microsoft.com/office/drawing/2017/decorative" val="1"/>
+              </a:ext>
+            </a:extLst>
+          </p:cNvPr>
+          <p:cNvSpPr>
+            <a:spLocks noGrp="1" noRot="1" noChangeAspect="1" noMove="1" noResize="1" noEditPoints="1" noAdjustHandles="1" noChangeArrowheads="1" noChangeShapeType="1" noTextEdit="1"/>
+          </p:cNvSpPr>
+          <p:nvPr>
+            <p:extLst>
+              <p:ext uri="{386F3935-93C4-4BCD-93E2-E3B085C9AB24}">
+                <p16:designElem xmlns:p16="http://schemas.microsoft.com/office/powerpoint/2015/main" val="1"/>
+              </p:ext>
+            </p:extLst>
+          </p:nvPr>
+        </p:nvSpPr>
+        <p:spPr>
+          <a:xfrm>
+            <a:off x="4655671" y="0"/>
+            <a:ext cx="7536329" cy="6858000"/>
+          </a:xfrm>
+          <a:prstGeom prst="rect">
+            <a:avLst/>
+          </a:prstGeom>
+          <a:solidFill>
+            <a:schemeClr val="tx1"/>
+          </a:solidFill>
+          <a:ln>
+            <a:noFill/>
+          </a:ln>
+        </p:spPr>
+        <p:style>
+          <a:lnRef idx="2">
+            <a:schemeClr val="accent1">
+              <a:shade val="50000"/>
+            </a:schemeClr>
+          </a:lnRef>
+          <a:fillRef idx="1">
+            <a:schemeClr val="accent1"/>
+          </a:fillRef>
+          <a:effectRef idx="0">
+            <a:schemeClr val="accent1"/>
+          </a:effectRef>
+          <a:fontRef idx="minor">
+            <a:schemeClr val="lt1"/>
+          </a:fontRef>
+        </p:style>
+        <p:txBody>
+          <a:bodyPr rtlCol="0" anchor="ctr"/>
+          <a:lstStyle/>
+          <a:p>
+            <a:pPr algn="ctr"/>
+            <a:endParaRPr lang="en-US"/>
+          </a:p>
+        </p:txBody>
+      </p:sp>
+      <p:pic>
+        <p:nvPicPr>
+          <p:cNvPr id="5" name="Picture 4" descr="Chart, bar chart&#10;&#10;Description automatically generated">
+            <a:extLst>
+              <a:ext uri="{FF2B5EF4-FFF2-40B4-BE49-F238E27FC236}">
+                <a16:creationId xmlns:a16="http://schemas.microsoft.com/office/drawing/2014/main" id="{3CF91220-5758-478B-BF80-D28D625474C9}"/>
+              </a:ext>
+            </a:extLst>
+          </p:cNvPr>
+          <p:cNvPicPr>
+            <a:picLocks noChangeAspect="1"/>
+          </p:cNvPicPr>
+          <p:nvPr/>
+        </p:nvPicPr>
+        <p:blipFill>
+          <a:blip r:embed="rId3"/>
+          <a:stretch>
+            <a:fillRect/>
+          </a:stretch>
+        </p:blipFill>
+        <p:spPr>
+          <a:xfrm>
+            <a:off x="5324315" y="1771124"/>
+            <a:ext cx="6197668" cy="3315752"/>
+          </a:xfrm>
+          <a:prstGeom prst="rect">
+            <a:avLst/>
+          </a:prstGeom>
+        </p:spPr>
+      </p:pic>
+    </p:spTree>
+    <p:extLst>
+      <p:ext uri="{BB962C8B-B14F-4D97-AF65-F5344CB8AC3E}">
+        <p14:creationId xmlns:p14="http://schemas.microsoft.com/office/powerpoint/2010/main" val="1555770898"/>
+      </p:ext>
+    </p:extLst>
+  </p:cSld>
+  <p:clrMapOvr>
+    <a:masterClrMapping/>
+  </p:clrMapOvr>
+</p:sld>
+</file>
+
+<file path=ppt/slides/slide17.xml><?xml version="1.0" encoding="utf-8"?>
+<p:sld xmlns:a="http://schemas.openxmlformats.org/drawingml/2006/main" xmlns:r="http://schemas.openxmlformats.org/officeDocument/2006/relationships" xmlns:p="http://schemas.openxmlformats.org/presentationml/2006/main">
+  <p:cSld>
+    <p:bg>
+      <p:bgPr>
+        <a:blipFill rotWithShape="1">
+          <a:blip r:embed="rId2">
+            <a:duotone>
+              <a:schemeClr val="bg1">
+                <a:shade val="80000"/>
+                <a:lumMod val="80000"/>
+              </a:schemeClr>
+              <a:schemeClr val="bg1">
+                <a:tint val="98000"/>
+              </a:schemeClr>
+            </a:duotone>
+          </a:blip>
+          <a:stretch/>
+        </a:blipFill>
+        <a:effectLst/>
+      </p:bgPr>
+    </p:bg>
+    <p:spTree>
+      <p:nvGrpSpPr>
+        <p:cNvPr id="1" name=""/>
+        <p:cNvGrpSpPr/>
+        <p:nvPr/>
+      </p:nvGrpSpPr>
+      <p:grpSpPr>
+        <a:xfrm>
+          <a:off x="0" y="0"/>
+          <a:ext cx="0" cy="0"/>
+          <a:chOff x="0" y="0"/>
+          <a:chExt cx="0" cy="0"/>
+        </a:xfrm>
+      </p:grpSpPr>
+      <p:sp useBgFill="1">
+        <p:nvSpPr>
+          <p:cNvPr id="10" name="Rectangle 9">
+            <a:extLst>
+              <a:ext uri="{FF2B5EF4-FFF2-40B4-BE49-F238E27FC236}">
                 <a16:creationId xmlns:a16="http://schemas.microsoft.com/office/drawing/2014/main" id="{1E70A317-DCED-4E80-AA2D-467D8702E5CB}"/>
               </a:ext>
               <a:ext uri="{C183D7F6-B498-43B3-948B-1728B52AA6E4}">
@@ -8440,6 +9680,162 @@
     <p:extLst>
       <p:ext uri="{BB962C8B-B14F-4D97-AF65-F5344CB8AC3E}">
         <p14:creationId xmlns:p14="http://schemas.microsoft.com/office/powerpoint/2010/main" val="3374252278"/>
+      </p:ext>
+    </p:extLst>
+  </p:cSld>
+  <p:clrMapOvr>
+    <a:masterClrMapping/>
+  </p:clrMapOvr>
+</p:sld>
+</file>
+
+<file path=ppt/slides/slide18.xml><?xml version="1.0" encoding="utf-8"?>
+<p:sld xmlns:a="http://schemas.openxmlformats.org/drawingml/2006/main" xmlns:r="http://schemas.openxmlformats.org/officeDocument/2006/relationships" xmlns:p="http://schemas.openxmlformats.org/presentationml/2006/main">
+  <p:cSld>
+    <p:spTree>
+      <p:nvGrpSpPr>
+        <p:cNvPr id="1" name=""/>
+        <p:cNvGrpSpPr/>
+        <p:nvPr/>
+      </p:nvGrpSpPr>
+      <p:grpSpPr>
+        <a:xfrm>
+          <a:off x="0" y="0"/>
+          <a:ext cx="0" cy="0"/>
+          <a:chOff x="0" y="0"/>
+          <a:chExt cx="0" cy="0"/>
+        </a:xfrm>
+      </p:grpSpPr>
+      <p:sp>
+        <p:nvSpPr>
+          <p:cNvPr id="2" name="Title 1">
+            <a:extLst>
+              <a:ext uri="{FF2B5EF4-FFF2-40B4-BE49-F238E27FC236}">
+                <a16:creationId xmlns:a16="http://schemas.microsoft.com/office/drawing/2014/main" id="{89559F60-4CE1-4E2F-86EA-1B60679F1F4A}"/>
+              </a:ext>
+            </a:extLst>
+          </p:cNvPr>
+          <p:cNvSpPr>
+            <a:spLocks noGrp="1"/>
+          </p:cNvSpPr>
+          <p:nvPr>
+            <p:ph type="title"/>
+          </p:nvPr>
+        </p:nvSpPr>
+        <p:spPr>
+          <a:xfrm>
+            <a:off x="913795" y="609599"/>
+            <a:ext cx="5978072" cy="1174075"/>
+          </a:xfrm>
+        </p:spPr>
+        <p:txBody>
+          <a:bodyPr>
+            <a:normAutofit/>
+          </a:bodyPr>
+          <a:lstStyle/>
+          <a:p>
+            <a:r>
+              <a:rPr lang="en-US" dirty="0"/>
+              <a:t>Conclusions</a:t>
+            </a:r>
+          </a:p>
+        </p:txBody>
+      </p:sp>
+      <p:sp>
+        <p:nvSpPr>
+          <p:cNvPr id="24" name="Content Placeholder 2">
+            <a:extLst>
+              <a:ext uri="{FF2B5EF4-FFF2-40B4-BE49-F238E27FC236}">
+                <a16:creationId xmlns:a16="http://schemas.microsoft.com/office/drawing/2014/main" id="{F260476B-CCA6-412B-A9C5-399C34AE6F05}"/>
+              </a:ext>
+            </a:extLst>
+          </p:cNvPr>
+          <p:cNvSpPr>
+            <a:spLocks noGrp="1"/>
+          </p:cNvSpPr>
+          <p:nvPr>
+            <p:ph idx="1"/>
+          </p:nvPr>
+        </p:nvSpPr>
+        <p:spPr>
+          <a:xfrm>
+            <a:off x="913795" y="1972101"/>
+            <a:ext cx="5978072" cy="3722748"/>
+          </a:xfrm>
+        </p:spPr>
+        <p:txBody>
+          <a:bodyPr anchor="ctr">
+            <a:normAutofit/>
+          </a:bodyPr>
+          <a:lstStyle/>
+          <a:p>
+            <a:r>
+              <a:rPr lang="en-AU" sz="2000" dirty="0"/>
+              <a:t>Males aged 25-34 are the most likely to commit a crime in public places in the Sydney LGA</a:t>
+            </a:r>
+          </a:p>
+          <a:p>
+            <a:r>
+              <a:rPr lang="en-AU" sz="2000" dirty="0"/>
+              <a:t>Most crimes are committed between 8pm-3am</a:t>
+            </a:r>
+          </a:p>
+          <a:p>
+            <a:r>
+              <a:rPr lang="en-AU" sz="2000" dirty="0"/>
+              <a:t>The lockout laws had an impact on reducing the number of assaults in this area</a:t>
+            </a:r>
+          </a:p>
+          <a:p>
+            <a:r>
+              <a:rPr lang="en-AU" sz="2000" dirty="0"/>
+              <a:t>Total number of offences trend is relatively flat, further research would be required to better understand how to reduce this trend.</a:t>
+            </a:r>
+          </a:p>
+        </p:txBody>
+      </p:sp>
+      <p:pic>
+        <p:nvPicPr>
+          <p:cNvPr id="3" name="Picture 2">
+            <a:extLst>
+              <a:ext uri="{FF2B5EF4-FFF2-40B4-BE49-F238E27FC236}">
+                <a16:creationId xmlns:a16="http://schemas.microsoft.com/office/drawing/2014/main" id="{72B2D6DE-C9B5-4678-91EF-77E85F2350DA}"/>
+              </a:ext>
+              <a:ext uri="{C183D7F6-B498-43B3-948B-1728B52AA6E4}">
+                <adec:decorative xmlns:adec="http://schemas.microsoft.com/office/drawing/2017/decorative" val="1"/>
+              </a:ext>
+            </a:extLst>
+          </p:cNvPr>
+          <p:cNvPicPr>
+            <a:picLocks noChangeAspect="1"/>
+          </p:cNvPicPr>
+          <p:nvPr/>
+        </p:nvPicPr>
+        <p:blipFill rotWithShape="1">
+          <a:blip r:embed="rId3">
+            <a:extLst>
+              <a:ext uri="{28A0092B-C50C-407E-A947-70E740481C1C}">
+                <a14:useLocalDpi xmlns:a14="http://schemas.microsoft.com/office/drawing/2010/main" val="0"/>
+              </a:ext>
+            </a:extLst>
+          </a:blip>
+          <a:srcRect r="12027" b="-3"/>
+          <a:stretch/>
+        </p:blipFill>
+        <p:spPr>
+          <a:xfrm>
+            <a:off x="7552945" y="643465"/>
+            <a:ext cx="3995592" cy="5103372"/>
+          </a:xfrm>
+          <a:prstGeom prst="rect">
+            <a:avLst/>
+          </a:prstGeom>
+        </p:spPr>
+      </p:pic>
+    </p:spTree>
+    <p:extLst>
+      <p:ext uri="{BB962C8B-B14F-4D97-AF65-F5344CB8AC3E}">
+        <p14:creationId xmlns:p14="http://schemas.microsoft.com/office/powerpoint/2010/main" val="2245253967"/>
       </p:ext>
     </p:extLst>
   </p:cSld>
@@ -8698,7 +10094,7 @@
           <a:p>
             <a:r>
               <a:rPr lang="en-US" dirty="0"/>
-              <a:t>All incidents occurred at an outdoor or public place.</a:t>
+              <a:t>Purpose is to explore this data and achieve a greater understanding.</a:t>
             </a:r>
           </a:p>
           <a:p>
@@ -8736,6 +10132,156 @@
 </file>
 
 <file path=ppt/slides/slide3.xml><?xml version="1.0" encoding="utf-8"?>
+<p:sld xmlns:a="http://schemas.openxmlformats.org/drawingml/2006/main" xmlns:r="http://schemas.openxmlformats.org/officeDocument/2006/relationships" xmlns:p="http://schemas.openxmlformats.org/presentationml/2006/main">
+  <p:cSld>
+    <p:spTree>
+      <p:nvGrpSpPr>
+        <p:cNvPr id="1" name=""/>
+        <p:cNvGrpSpPr/>
+        <p:nvPr/>
+      </p:nvGrpSpPr>
+      <p:grpSpPr>
+        <a:xfrm>
+          <a:off x="0" y="0"/>
+          <a:ext cx="0" cy="0"/>
+          <a:chOff x="0" y="0"/>
+          <a:chExt cx="0" cy="0"/>
+        </a:xfrm>
+      </p:grpSpPr>
+      <p:sp>
+        <p:nvSpPr>
+          <p:cNvPr id="2" name="Title 1">
+            <a:extLst>
+              <a:ext uri="{FF2B5EF4-FFF2-40B4-BE49-F238E27FC236}">
+                <a16:creationId xmlns:a16="http://schemas.microsoft.com/office/drawing/2014/main" id="{89559F60-4CE1-4E2F-86EA-1B60679F1F4A}"/>
+              </a:ext>
+            </a:extLst>
+          </p:cNvPr>
+          <p:cNvSpPr>
+            <a:spLocks noGrp="1"/>
+          </p:cNvSpPr>
+          <p:nvPr>
+            <p:ph type="title"/>
+          </p:nvPr>
+        </p:nvSpPr>
+        <p:spPr>
+          <a:xfrm>
+            <a:off x="913795" y="609599"/>
+            <a:ext cx="5978072" cy="1174075"/>
+          </a:xfrm>
+        </p:spPr>
+        <p:txBody>
+          <a:bodyPr>
+            <a:normAutofit/>
+          </a:bodyPr>
+          <a:lstStyle/>
+          <a:p>
+            <a:r>
+              <a:rPr lang="en-US" dirty="0"/>
+              <a:t>Dataset</a:t>
+            </a:r>
+          </a:p>
+        </p:txBody>
+      </p:sp>
+      <p:sp>
+        <p:nvSpPr>
+          <p:cNvPr id="24" name="Content Placeholder 2">
+            <a:extLst>
+              <a:ext uri="{FF2B5EF4-FFF2-40B4-BE49-F238E27FC236}">
+                <a16:creationId xmlns:a16="http://schemas.microsoft.com/office/drawing/2014/main" id="{F260476B-CCA6-412B-A9C5-399C34AE6F05}"/>
+              </a:ext>
+            </a:extLst>
+          </p:cNvPr>
+          <p:cNvSpPr>
+            <a:spLocks noGrp="1"/>
+          </p:cNvSpPr>
+          <p:nvPr>
+            <p:ph idx="1"/>
+          </p:nvPr>
+        </p:nvSpPr>
+        <p:spPr>
+          <a:xfrm>
+            <a:off x="913795" y="1972101"/>
+            <a:ext cx="5978072" cy="3722748"/>
+          </a:xfrm>
+        </p:spPr>
+        <p:txBody>
+          <a:bodyPr anchor="ctr">
+            <a:normAutofit/>
+          </a:bodyPr>
+          <a:lstStyle/>
+          <a:p>
+            <a:r>
+              <a:rPr lang="en-AU" sz="2000" dirty="0"/>
+              <a:t>Each record is an offence that has been reported in the NSW Police Force Computerise Operational Policing System (COPS)</a:t>
+            </a:r>
+          </a:p>
+          <a:p>
+            <a:r>
+              <a:rPr lang="en-AU" sz="2000" dirty="0"/>
+              <a:t>Incidents occurred at an outdoor or public place (parks, streets, footpaths) within the Sydney Local Government</a:t>
+            </a:r>
+          </a:p>
+          <a:p>
+            <a:r>
+              <a:rPr lang="en-AU" sz="2000" dirty="0"/>
+              <a:t>23605 Observations</a:t>
+            </a:r>
+          </a:p>
+        </p:txBody>
+      </p:sp>
+      <p:pic>
+        <p:nvPicPr>
+          <p:cNvPr id="3" name="Picture 2">
+            <a:extLst>
+              <a:ext uri="{FF2B5EF4-FFF2-40B4-BE49-F238E27FC236}">
+                <a16:creationId xmlns:a16="http://schemas.microsoft.com/office/drawing/2014/main" id="{72B2D6DE-C9B5-4678-91EF-77E85F2350DA}"/>
+              </a:ext>
+              <a:ext uri="{C183D7F6-B498-43B3-948B-1728B52AA6E4}">
+                <adec:decorative xmlns:adec="http://schemas.microsoft.com/office/drawing/2017/decorative" val="1"/>
+              </a:ext>
+            </a:extLst>
+          </p:cNvPr>
+          <p:cNvPicPr>
+            <a:picLocks noChangeAspect="1"/>
+          </p:cNvPicPr>
+          <p:nvPr/>
+        </p:nvPicPr>
+        <p:blipFill rotWithShape="1">
+          <a:blip r:embed="rId3">
+            <a:extLst>
+              <a:ext uri="{28A0092B-C50C-407E-A947-70E740481C1C}">
+                <a14:useLocalDpi xmlns:a14="http://schemas.microsoft.com/office/drawing/2010/main" val="0"/>
+              </a:ext>
+            </a:extLst>
+          </a:blip>
+          <a:srcRect r="12027" b="-3"/>
+          <a:stretch/>
+        </p:blipFill>
+        <p:spPr>
+          <a:xfrm>
+            <a:off x="7552945" y="643465"/>
+            <a:ext cx="3995592" cy="5103372"/>
+          </a:xfrm>
+          <a:prstGeom prst="rect">
+            <a:avLst/>
+          </a:prstGeom>
+        </p:spPr>
+      </p:pic>
+    </p:spTree>
+    <p:extLst>
+      <p:ext uri="{BB962C8B-B14F-4D97-AF65-F5344CB8AC3E}">
+        <p14:creationId xmlns:p14="http://schemas.microsoft.com/office/powerpoint/2010/main" val="337766920"/>
+      </p:ext>
+    </p:extLst>
+  </p:cSld>
+  <p:clrMapOvr>
+    <a:masterClrMapping/>
+  </p:clrMapOvr>
+</p:sld>
+</file>
+
+<file path=ppt/slides/slide4.xml><?xml version="1.0" encoding="utf-8"?>
 <p:sld xmlns:a="http://schemas.openxmlformats.org/drawingml/2006/main" xmlns:r="http://schemas.openxmlformats.org/officeDocument/2006/relationships" xmlns:p="http://schemas.openxmlformats.org/presentationml/2006/main">
   <p:cSld>
     <p:bg>
@@ -8901,8 +10447,8 @@
               </a:lnSpc>
             </a:pPr>
             <a:r>
-              <a:rPr lang="en-US" sz="2100"/>
-              <a:t>What is the most common type of offence and offence?</a:t>
+              <a:rPr lang="en-US" sz="2100" dirty="0"/>
+              <a:t>What is the most common type of offence and sub-offence?</a:t>
             </a:r>
           </a:p>
           <a:p>
@@ -8912,7 +10458,7 @@
               </a:lnSpc>
             </a:pPr>
             <a:r>
-              <a:rPr lang="en-US" sz="2100"/>
+              <a:rPr lang="en-US" sz="2100" dirty="0"/>
               <a:t>Which age group and sex commit the greatest number of offences?</a:t>
             </a:r>
           </a:p>
@@ -8923,7 +10469,7 @@
               </a:lnSpc>
             </a:pPr>
             <a:r>
-              <a:rPr lang="en-US" sz="2100"/>
+              <a:rPr lang="en-US" sz="2100" dirty="0"/>
               <a:t>How do offences change based on day of week?</a:t>
             </a:r>
           </a:p>
@@ -8934,7 +10480,7 @@
               </a:lnSpc>
             </a:pPr>
             <a:r>
-              <a:rPr lang="en-US" sz="2100"/>
+              <a:rPr lang="en-US" sz="2100" dirty="0"/>
               <a:t>Which hour has the greatest number of offences?</a:t>
             </a:r>
           </a:p>
@@ -8945,7 +10491,7 @@
               </a:lnSpc>
             </a:pPr>
             <a:r>
-              <a:rPr lang="en-US" sz="2100"/>
+              <a:rPr lang="en-US" sz="2100" dirty="0"/>
               <a:t>What is the trend for offences over this time period?</a:t>
             </a:r>
           </a:p>
@@ -8956,7 +10502,7 @@
               </a:lnSpc>
             </a:pPr>
             <a:r>
-              <a:rPr lang="en-US" sz="2100"/>
+              <a:rPr lang="en-US" sz="2100" dirty="0"/>
               <a:t>Which suburb had the highest number of offences?</a:t>
             </a:r>
           </a:p>
@@ -9048,244 +10594,6 @@
     <p:extLst>
       <p:ext uri="{BB962C8B-B14F-4D97-AF65-F5344CB8AC3E}">
         <p14:creationId xmlns:p14="http://schemas.microsoft.com/office/powerpoint/2010/main" val="1055405011"/>
-      </p:ext>
-    </p:extLst>
-  </p:cSld>
-  <p:clrMapOvr>
-    <a:masterClrMapping/>
-  </p:clrMapOvr>
-</p:sld>
-</file>
-
-<file path=ppt/slides/slide4.xml><?xml version="1.0" encoding="utf-8"?>
-<p:sld xmlns:a="http://schemas.openxmlformats.org/drawingml/2006/main" xmlns:r="http://schemas.openxmlformats.org/officeDocument/2006/relationships" xmlns:p="http://schemas.openxmlformats.org/presentationml/2006/main">
-  <p:cSld>
-    <p:bg>
-      <p:bgPr>
-        <a:blipFill rotWithShape="1">
-          <a:blip r:embed="rId2">
-            <a:duotone>
-              <a:schemeClr val="bg1">
-                <a:shade val="80000"/>
-                <a:lumMod val="80000"/>
-              </a:schemeClr>
-              <a:schemeClr val="bg1">
-                <a:tint val="98000"/>
-              </a:schemeClr>
-            </a:duotone>
-          </a:blip>
-          <a:stretch/>
-        </a:blipFill>
-        <a:effectLst/>
-      </p:bgPr>
-    </p:bg>
-    <p:spTree>
-      <p:nvGrpSpPr>
-        <p:cNvPr id="1" name=""/>
-        <p:cNvGrpSpPr/>
-        <p:nvPr/>
-      </p:nvGrpSpPr>
-      <p:grpSpPr>
-        <a:xfrm>
-          <a:off x="0" y="0"/>
-          <a:ext cx="0" cy="0"/>
-          <a:chOff x="0" y="0"/>
-          <a:chExt cx="0" cy="0"/>
-        </a:xfrm>
-      </p:grpSpPr>
-      <p:sp useBgFill="1">
-        <p:nvSpPr>
-          <p:cNvPr id="10" name="Rectangle 9">
-            <a:extLst>
-              <a:ext uri="{FF2B5EF4-FFF2-40B4-BE49-F238E27FC236}">
-                <a16:creationId xmlns:a16="http://schemas.microsoft.com/office/drawing/2014/main" id="{1E70A317-DCED-4E80-AA2D-467D8702E5CB}"/>
-              </a:ext>
-              <a:ext uri="{C183D7F6-B498-43B3-948B-1728B52AA6E4}">
-                <adec:decorative xmlns:adec="http://schemas.microsoft.com/office/drawing/2017/decorative" val="1"/>
-              </a:ext>
-            </a:extLst>
-          </p:cNvPr>
-          <p:cNvSpPr>
-            <a:spLocks noGrp="1" noRot="1" noChangeAspect="1" noMove="1" noResize="1" noEditPoints="1" noAdjustHandles="1" noChangeArrowheads="1" noChangeShapeType="1" noTextEdit="1"/>
-          </p:cNvSpPr>
-          <p:nvPr>
-            <p:extLst>
-              <p:ext uri="{386F3935-93C4-4BCD-93E2-E3B085C9AB24}">
-                <p16:designElem xmlns:p16="http://schemas.microsoft.com/office/powerpoint/2015/main" val="1"/>
-              </p:ext>
-            </p:extLst>
-          </p:nvPr>
-        </p:nvSpPr>
-        <p:spPr>
-          <a:xfrm>
-            <a:off x="0" y="0"/>
-            <a:ext cx="12192000" cy="6858000"/>
-          </a:xfrm>
-          <a:prstGeom prst="rect">
-            <a:avLst/>
-          </a:prstGeom>
-          <a:ln>
-            <a:noFill/>
-          </a:ln>
-        </p:spPr>
-        <p:style>
-          <a:lnRef idx="2">
-            <a:schemeClr val="accent1">
-              <a:shade val="50000"/>
-            </a:schemeClr>
-          </a:lnRef>
-          <a:fillRef idx="1">
-            <a:schemeClr val="accent1"/>
-          </a:fillRef>
-          <a:effectRef idx="0">
-            <a:schemeClr val="accent1"/>
-          </a:effectRef>
-          <a:fontRef idx="minor">
-            <a:schemeClr val="lt1"/>
-          </a:fontRef>
-        </p:style>
-        <p:txBody>
-          <a:bodyPr rtlCol="0" anchor="ctr"/>
-          <a:lstStyle/>
-          <a:p>
-            <a:pPr algn="ctr"/>
-            <a:endParaRPr lang="en-US"/>
-          </a:p>
-        </p:txBody>
-      </p:sp>
-      <p:sp>
-        <p:nvSpPr>
-          <p:cNvPr id="2" name="Title 1">
-            <a:extLst>
-              <a:ext uri="{FF2B5EF4-FFF2-40B4-BE49-F238E27FC236}">
-                <a16:creationId xmlns:a16="http://schemas.microsoft.com/office/drawing/2014/main" id="{EC783569-3488-42AF-9623-CC78B6B1CBFF}"/>
-              </a:ext>
-            </a:extLst>
-          </p:cNvPr>
-          <p:cNvSpPr>
-            <a:spLocks noGrp="1"/>
-          </p:cNvSpPr>
-          <p:nvPr>
-            <p:ph type="title"/>
-          </p:nvPr>
-        </p:nvSpPr>
-        <p:spPr>
-          <a:xfrm>
-            <a:off x="861791" y="835383"/>
-            <a:ext cx="3382832" cy="3499549"/>
-          </a:xfrm>
-        </p:spPr>
-        <p:txBody>
-          <a:bodyPr vert="horz" lIns="91440" tIns="45720" rIns="91440" bIns="45720" rtlCol="0" anchor="b">
-            <a:normAutofit/>
-          </a:bodyPr>
-          <a:lstStyle/>
-          <a:p>
-            <a:pPr algn="l"/>
-            <a:r>
-              <a:rPr lang="en-US" sz="4200"/>
-              <a:t>X% of offences committed are Drug Offences</a:t>
-            </a:r>
-          </a:p>
-        </p:txBody>
-      </p:sp>
-      <p:sp>
-        <p:nvSpPr>
-          <p:cNvPr id="12" name="Rectangle 11">
-            <a:extLst>
-              <a:ext uri="{FF2B5EF4-FFF2-40B4-BE49-F238E27FC236}">
-                <a16:creationId xmlns:a16="http://schemas.microsoft.com/office/drawing/2014/main" id="{A6D87845-294F-40CB-BC48-46455460D292}"/>
-              </a:ext>
-              <a:ext uri="{C183D7F6-B498-43B3-948B-1728B52AA6E4}">
-                <adec:decorative xmlns:adec="http://schemas.microsoft.com/office/drawing/2017/decorative" val="1"/>
-              </a:ext>
-            </a:extLst>
-          </p:cNvPr>
-          <p:cNvSpPr>
-            <a:spLocks noGrp="1" noRot="1" noChangeAspect="1" noMove="1" noResize="1" noEditPoints="1" noAdjustHandles="1" noChangeArrowheads="1" noChangeShapeType="1" noTextEdit="1"/>
-          </p:cNvSpPr>
-          <p:nvPr>
-            <p:extLst>
-              <p:ext uri="{386F3935-93C4-4BCD-93E2-E3B085C9AB24}">
-                <p16:designElem xmlns:p16="http://schemas.microsoft.com/office/powerpoint/2015/main" val="1"/>
-              </p:ext>
-            </p:extLst>
-          </p:nvPr>
-        </p:nvSpPr>
-        <p:spPr>
-          <a:xfrm>
-            <a:off x="4655671" y="0"/>
-            <a:ext cx="7536329" cy="6858000"/>
-          </a:xfrm>
-          <a:prstGeom prst="rect">
-            <a:avLst/>
-          </a:prstGeom>
-          <a:solidFill>
-            <a:schemeClr val="tx1"/>
-          </a:solidFill>
-          <a:ln>
-            <a:noFill/>
-          </a:ln>
-        </p:spPr>
-        <p:style>
-          <a:lnRef idx="2">
-            <a:schemeClr val="accent1">
-              <a:shade val="50000"/>
-            </a:schemeClr>
-          </a:lnRef>
-          <a:fillRef idx="1">
-            <a:schemeClr val="accent1"/>
-          </a:fillRef>
-          <a:effectRef idx="0">
-            <a:schemeClr val="accent1"/>
-          </a:effectRef>
-          <a:fontRef idx="minor">
-            <a:schemeClr val="lt1"/>
-          </a:fontRef>
-        </p:style>
-        <p:txBody>
-          <a:bodyPr rtlCol="0" anchor="ctr"/>
-          <a:lstStyle/>
-          <a:p>
-            <a:pPr algn="ctr"/>
-            <a:endParaRPr lang="en-US"/>
-          </a:p>
-        </p:txBody>
-      </p:sp>
-      <p:pic>
-        <p:nvPicPr>
-          <p:cNvPr id="5" name="Picture 4" descr="Chart, bar chart&#10;&#10;Description automatically generated">
-            <a:extLst>
-              <a:ext uri="{FF2B5EF4-FFF2-40B4-BE49-F238E27FC236}">
-                <a16:creationId xmlns:a16="http://schemas.microsoft.com/office/drawing/2014/main" id="{D09832E0-6F9A-428D-A113-58F68BB3C697}"/>
-              </a:ext>
-            </a:extLst>
-          </p:cNvPr>
-          <p:cNvPicPr>
-            <a:picLocks noChangeAspect="1"/>
-          </p:cNvPicPr>
-          <p:nvPr/>
-        </p:nvPicPr>
-        <p:blipFill>
-          <a:blip r:embed="rId3"/>
-          <a:stretch>
-            <a:fillRect/>
-          </a:stretch>
-        </p:blipFill>
-        <p:spPr>
-          <a:xfrm>
-            <a:off x="5324315" y="1771124"/>
-            <a:ext cx="6197668" cy="3315752"/>
-          </a:xfrm>
-          <a:prstGeom prst="rect">
-            <a:avLst/>
-          </a:prstGeom>
-        </p:spPr>
-      </p:pic>
-    </p:spTree>
-    <p:extLst>
-      <p:ext uri="{BB962C8B-B14F-4D97-AF65-F5344CB8AC3E}">
-        <p14:creationId xmlns:p14="http://schemas.microsoft.com/office/powerpoint/2010/main" val="1693141016"/>
       </p:ext>
     </p:extLst>
   </p:cSld>
@@ -9396,7 +10704,7 @@
           <p:cNvPr id="2" name="Title 1">
             <a:extLst>
               <a:ext uri="{FF2B5EF4-FFF2-40B4-BE49-F238E27FC236}">
-                <a16:creationId xmlns:a16="http://schemas.microsoft.com/office/drawing/2014/main" id="{EDB3D9CC-C033-41A7-8773-EF4EF2C215E3}"/>
+                <a16:creationId xmlns:a16="http://schemas.microsoft.com/office/drawing/2014/main" id="{EC783569-3488-42AF-9623-CC78B6B1CBFF}"/>
               </a:ext>
             </a:extLst>
           </p:cNvPr>
@@ -9409,8 +10717,8 @@
         </p:nvSpPr>
         <p:spPr>
           <a:xfrm>
-            <a:off x="861791" y="835383"/>
-            <a:ext cx="3382832" cy="3499549"/>
+            <a:off x="861790" y="835383"/>
+            <a:ext cx="3619593" cy="3538909"/>
           </a:xfrm>
         </p:spPr>
         <p:txBody>
@@ -9421,8 +10729,8 @@
           <a:p>
             <a:pPr algn="l"/>
             <a:r>
-              <a:rPr lang="en-US" sz="3900"/>
-              <a:t>Cannabis, Assault &amp; Stealing from car are the most common sub offences</a:t>
+              <a:rPr lang="en-US" sz="4200" dirty="0"/>
+              <a:t>55% of offences committed are Drug Offences</a:t>
             </a:r>
           </a:p>
         </p:txBody>
@@ -9495,7 +10803,7 @@
           <p:cNvPr id="5" name="Picture 4" descr="Chart, bar chart&#10;&#10;Description automatically generated">
             <a:extLst>
               <a:ext uri="{FF2B5EF4-FFF2-40B4-BE49-F238E27FC236}">
-                <a16:creationId xmlns:a16="http://schemas.microsoft.com/office/drawing/2014/main" id="{9AF92CEE-5DDA-4131-BD6F-D4AA6715A34F}"/>
+                <a16:creationId xmlns:a16="http://schemas.microsoft.com/office/drawing/2014/main" id="{D09832E0-6F9A-428D-A113-58F68BB3C697}"/>
               </a:ext>
             </a:extLst>
           </p:cNvPr>
@@ -9523,7 +10831,7 @@
     </p:spTree>
     <p:extLst>
       <p:ext uri="{BB962C8B-B14F-4D97-AF65-F5344CB8AC3E}">
-        <p14:creationId xmlns:p14="http://schemas.microsoft.com/office/powerpoint/2010/main" val="2695184264"/>
+        <p14:creationId xmlns:p14="http://schemas.microsoft.com/office/powerpoint/2010/main" val="1693141016"/>
       </p:ext>
     </p:extLst>
   </p:cSld>
@@ -9571,10 +10879,10 @@
       </p:grpSpPr>
       <p:sp useBgFill="1">
         <p:nvSpPr>
-          <p:cNvPr id="13" name="Rectangle 9">
+          <p:cNvPr id="10" name="Rectangle 9">
             <a:extLst>
               <a:ext uri="{FF2B5EF4-FFF2-40B4-BE49-F238E27FC236}">
-                <a16:creationId xmlns:a16="http://schemas.microsoft.com/office/drawing/2014/main" id="{8E482A67-6CD8-49D7-9F85-52ECF99152D0}"/>
+                <a16:creationId xmlns:a16="http://schemas.microsoft.com/office/drawing/2014/main" id="{1E70A317-DCED-4E80-AA2D-467D8702E5CB}"/>
               </a:ext>
               <a:ext uri="{C183D7F6-B498-43B3-948B-1728B52AA6E4}">
                 <adec:decorative xmlns:adec="http://schemas.microsoft.com/office/drawing/2017/decorative" val="1"/>
@@ -9602,109 +10910,6 @@
           </a:prstGeom>
           <a:ln>
             <a:noFill/>
-          </a:ln>
-        </p:spPr>
-        <p:style>
-          <a:lnRef idx="2">
-            <a:schemeClr val="accent1">
-              <a:shade val="50000"/>
-            </a:schemeClr>
-          </a:lnRef>
-          <a:fillRef idx="1003">
-            <a:schemeClr val="dk2"/>
-          </a:fillRef>
-          <a:effectRef idx="0">
-            <a:schemeClr val="accent1"/>
-          </a:effectRef>
-          <a:fontRef idx="minor">
-            <a:schemeClr val="lt1"/>
-          </a:fontRef>
-        </p:style>
-        <p:txBody>
-          <a:bodyPr rtlCol="0" anchor="ctr"/>
-          <a:lstStyle/>
-          <a:p>
-            <a:pPr algn="ctr"/>
-            <a:endParaRPr lang="en-US"/>
-          </a:p>
-        </p:txBody>
-      </p:sp>
-      <p:sp>
-        <p:nvSpPr>
-          <p:cNvPr id="2" name="Title 1">
-            <a:extLst>
-              <a:ext uri="{FF2B5EF4-FFF2-40B4-BE49-F238E27FC236}">
-                <a16:creationId xmlns:a16="http://schemas.microsoft.com/office/drawing/2014/main" id="{2E31F0C3-B571-446B-B508-58FFB62023DF}"/>
-              </a:ext>
-            </a:extLst>
-          </p:cNvPr>
-          <p:cNvSpPr>
-            <a:spLocks noGrp="1"/>
-          </p:cNvSpPr>
-          <p:nvPr>
-            <p:ph type="title"/>
-          </p:nvPr>
-        </p:nvSpPr>
-        <p:spPr>
-          <a:xfrm>
-            <a:off x="8050305" y="965196"/>
-            <a:ext cx="3131671" cy="2633146"/>
-          </a:xfrm>
-        </p:spPr>
-        <p:txBody>
-          <a:bodyPr vert="horz" lIns="91440" tIns="45720" rIns="91440" bIns="45720" rtlCol="0" anchor="b">
-            <a:normAutofit/>
-          </a:bodyPr>
-          <a:lstStyle/>
-          <a:p>
-            <a:pPr algn="l"/>
-            <a:r>
-              <a:rPr lang="en-US" sz="3700"/>
-              <a:t>25 to 34 years are the most likely to commit an offence</a:t>
-            </a:r>
-          </a:p>
-        </p:txBody>
-      </p:sp>
-      <p:sp>
-        <p:nvSpPr>
-          <p:cNvPr id="12" name="Rectangle 11">
-            <a:extLst>
-              <a:ext uri="{FF2B5EF4-FFF2-40B4-BE49-F238E27FC236}">
-                <a16:creationId xmlns:a16="http://schemas.microsoft.com/office/drawing/2014/main" id="{418F941B-B7E9-44F2-9A2C-5D35ACF9A678}"/>
-              </a:ext>
-              <a:ext uri="{C183D7F6-B498-43B3-948B-1728B52AA6E4}">
-                <adec:decorative xmlns:adec="http://schemas.microsoft.com/office/drawing/2017/decorative" val="1"/>
-              </a:ext>
-            </a:extLst>
-          </p:cNvPr>
-          <p:cNvSpPr>
-            <a:spLocks noGrp="1" noRot="1" noChangeAspect="1" noMove="1" noResize="1" noEditPoints="1" noAdjustHandles="1" noChangeArrowheads="1" noChangeShapeType="1" noTextEdit="1"/>
-          </p:cNvSpPr>
-          <p:nvPr>
-            <p:extLst>
-              <p:ext uri="{386F3935-93C4-4BCD-93E2-E3B085C9AB24}">
-                <p16:designElem xmlns:p16="http://schemas.microsoft.com/office/powerpoint/2015/main" val="1"/>
-              </p:ext>
-            </p:extLst>
-          </p:nvPr>
-        </p:nvSpPr>
-        <p:spPr>
-          <a:xfrm>
-            <a:off x="950614" y="965196"/>
-            <a:ext cx="6476539" cy="4781641"/>
-          </a:xfrm>
-          <a:prstGeom prst="rect">
-            <a:avLst/>
-          </a:prstGeom>
-          <a:solidFill>
-            <a:schemeClr val="tx1"/>
-          </a:solidFill>
-          <a:ln w="190500">
-            <a:solidFill>
-              <a:srgbClr val="FFFFFF">
-                <a:alpha val="7000"/>
-              </a:srgbClr>
-            </a:solidFill>
           </a:ln>
         </p:spPr>
         <p:style>
@@ -9732,12 +10937,111 @@
           </a:p>
         </p:txBody>
       </p:sp>
+      <p:sp>
+        <p:nvSpPr>
+          <p:cNvPr id="2" name="Title 1">
+            <a:extLst>
+              <a:ext uri="{FF2B5EF4-FFF2-40B4-BE49-F238E27FC236}">
+                <a16:creationId xmlns:a16="http://schemas.microsoft.com/office/drawing/2014/main" id="{EDB3D9CC-C033-41A7-8773-EF4EF2C215E3}"/>
+              </a:ext>
+            </a:extLst>
+          </p:cNvPr>
+          <p:cNvSpPr>
+            <a:spLocks noGrp="1"/>
+          </p:cNvSpPr>
+          <p:nvPr>
+            <p:ph type="title"/>
+          </p:nvPr>
+        </p:nvSpPr>
+        <p:spPr>
+          <a:xfrm>
+            <a:off x="861791" y="835383"/>
+            <a:ext cx="3382832" cy="3499549"/>
+          </a:xfrm>
+        </p:spPr>
+        <p:txBody>
+          <a:bodyPr vert="horz" lIns="91440" tIns="45720" rIns="91440" bIns="45720" rtlCol="0" anchor="b">
+            <a:normAutofit/>
+          </a:bodyPr>
+          <a:lstStyle/>
+          <a:p>
+            <a:pPr algn="l"/>
+            <a:r>
+              <a:rPr lang="en-US" sz="3900" dirty="0"/>
+              <a:t>Cannabis, Assault &amp; Stealing from Cars are the most common sub offences</a:t>
+            </a:r>
+          </a:p>
+        </p:txBody>
+      </p:sp>
+      <p:sp>
+        <p:nvSpPr>
+          <p:cNvPr id="12" name="Rectangle 11">
+            <a:extLst>
+              <a:ext uri="{FF2B5EF4-FFF2-40B4-BE49-F238E27FC236}">
+                <a16:creationId xmlns:a16="http://schemas.microsoft.com/office/drawing/2014/main" id="{A6D87845-294F-40CB-BC48-46455460D292}"/>
+              </a:ext>
+              <a:ext uri="{C183D7F6-B498-43B3-948B-1728B52AA6E4}">
+                <adec:decorative xmlns:adec="http://schemas.microsoft.com/office/drawing/2017/decorative" val="1"/>
+              </a:ext>
+            </a:extLst>
+          </p:cNvPr>
+          <p:cNvSpPr>
+            <a:spLocks noGrp="1" noRot="1" noChangeAspect="1" noMove="1" noResize="1" noEditPoints="1" noAdjustHandles="1" noChangeArrowheads="1" noChangeShapeType="1" noTextEdit="1"/>
+          </p:cNvSpPr>
+          <p:nvPr>
+            <p:extLst>
+              <p:ext uri="{386F3935-93C4-4BCD-93E2-E3B085C9AB24}">
+                <p16:designElem xmlns:p16="http://schemas.microsoft.com/office/powerpoint/2015/main" val="1"/>
+              </p:ext>
+            </p:extLst>
+          </p:nvPr>
+        </p:nvSpPr>
+        <p:spPr>
+          <a:xfrm>
+            <a:off x="4655671" y="0"/>
+            <a:ext cx="7536329" cy="6858000"/>
+          </a:xfrm>
+          <a:prstGeom prst="rect">
+            <a:avLst/>
+          </a:prstGeom>
+          <a:solidFill>
+            <a:schemeClr val="tx1"/>
+          </a:solidFill>
+          <a:ln>
+            <a:noFill/>
+          </a:ln>
+        </p:spPr>
+        <p:style>
+          <a:lnRef idx="2">
+            <a:schemeClr val="accent1">
+              <a:shade val="50000"/>
+            </a:schemeClr>
+          </a:lnRef>
+          <a:fillRef idx="1">
+            <a:schemeClr val="accent1"/>
+          </a:fillRef>
+          <a:effectRef idx="0">
+            <a:schemeClr val="accent1"/>
+          </a:effectRef>
+          <a:fontRef idx="minor">
+            <a:schemeClr val="lt1"/>
+          </a:fontRef>
+        </p:style>
+        <p:txBody>
+          <a:bodyPr rtlCol="0" anchor="ctr"/>
+          <a:lstStyle/>
+          <a:p>
+            <a:pPr algn="ctr"/>
+            <a:endParaRPr lang="en-US"/>
+          </a:p>
+        </p:txBody>
+      </p:sp>
       <p:pic>
         <p:nvPicPr>
-          <p:cNvPr id="5" name="Picture 4" descr="Chart&#10;&#10;Description automatically generated">
+          <p:cNvPr id="5" name="Picture 4" descr="Chart, bar chart&#10;&#10;Description automatically generated">
             <a:extLst>
               <a:ext uri="{FF2B5EF4-FFF2-40B4-BE49-F238E27FC236}">
-                <a16:creationId xmlns:a16="http://schemas.microsoft.com/office/drawing/2014/main" id="{AA91A933-E47B-4F28-913A-0DD9651C28BD}"/>
+                <a16:creationId xmlns:a16="http://schemas.microsoft.com/office/drawing/2014/main" id="{9AF92CEE-5DDA-4131-BD6F-D4AA6715A34F}"/>
               </a:ext>
             </a:extLst>
           </p:cNvPr>
@@ -9754,8 +11058,8 @@
         </p:blipFill>
         <p:spPr>
           <a:xfrm>
-            <a:off x="1380489" y="1868173"/>
-            <a:ext cx="5562032" cy="2975687"/>
+            <a:off x="5324315" y="1771124"/>
+            <a:ext cx="6197668" cy="3315752"/>
           </a:xfrm>
           <a:prstGeom prst="rect">
             <a:avLst/>
@@ -9765,7 +11069,7 @@
     </p:spTree>
     <p:extLst>
       <p:ext uri="{BB962C8B-B14F-4D97-AF65-F5344CB8AC3E}">
-        <p14:creationId xmlns:p14="http://schemas.microsoft.com/office/powerpoint/2010/main" val="3204108685"/>
+        <p14:creationId xmlns:p14="http://schemas.microsoft.com/office/powerpoint/2010/main" val="2695184264"/>
       </p:ext>
     </p:extLst>
   </p:cSld>
@@ -9816,7 +11120,7 @@
           <p:cNvPr id="10" name="Rectangle 9">
             <a:extLst>
               <a:ext uri="{FF2B5EF4-FFF2-40B4-BE49-F238E27FC236}">
-                <a16:creationId xmlns:a16="http://schemas.microsoft.com/office/drawing/2014/main" id="{8E482A67-6CD8-49D7-9F85-52ECF99152D0}"/>
+                <a16:creationId xmlns:a16="http://schemas.microsoft.com/office/drawing/2014/main" id="{6540ED7E-4309-4CF9-9C8D-82E304E02832}"/>
               </a:ext>
               <a:ext uri="{C183D7F6-B498-43B3-948B-1728B52AA6E4}">
                 <adec:decorative xmlns:adec="http://schemas.microsoft.com/office/drawing/2017/decorative" val="1"/>
@@ -9876,7 +11180,7 @@
           <p:cNvPr id="2" name="Title 1">
             <a:extLst>
               <a:ext uri="{FF2B5EF4-FFF2-40B4-BE49-F238E27FC236}">
-                <a16:creationId xmlns:a16="http://schemas.microsoft.com/office/drawing/2014/main" id="{2C73A8D3-60E6-4926-9642-E034BAD19E95}"/>
+                <a16:creationId xmlns:a16="http://schemas.microsoft.com/office/drawing/2014/main" id="{20CF5BCF-EDBC-4B1F-8E5C-56D1DC6BD256}"/>
               </a:ext>
             </a:extLst>
           </p:cNvPr>
@@ -9889,8 +11193,8 @@
         </p:nvSpPr>
         <p:spPr>
           <a:xfrm>
-            <a:off x="8050305" y="965196"/>
-            <a:ext cx="3131671" cy="2633146"/>
+            <a:off x="6621928" y="965196"/>
+            <a:ext cx="4703484" cy="2633145"/>
           </a:xfrm>
         </p:spPr>
         <p:txBody>
@@ -9899,10 +11203,9 @@
           </a:bodyPr>
           <a:lstStyle/>
           <a:p>
-            <a:pPr algn="l"/>
             <a:r>
-              <a:rPr lang="en-US" sz="3700"/>
-              <a:t>Males commit on average 5-6x more offences than Females</a:t>
+              <a:rPr lang="en-US" sz="5400"/>
+              <a:t>Drug Offences spike on Saturdays</a:t>
             </a:r>
           </a:p>
         </p:txBody>
@@ -9912,7 +11215,7 @@
           <p:cNvPr id="12" name="Rectangle 11">
             <a:extLst>
               <a:ext uri="{FF2B5EF4-FFF2-40B4-BE49-F238E27FC236}">
-                <a16:creationId xmlns:a16="http://schemas.microsoft.com/office/drawing/2014/main" id="{418F941B-B7E9-44F2-9A2C-5D35ACF9A678}"/>
+                <a16:creationId xmlns:a16="http://schemas.microsoft.com/office/drawing/2014/main" id="{CA8ACC6B-EC7C-4E3C-8D08-C0A3AA40779C}"/>
               </a:ext>
               <a:ext uri="{C183D7F6-B498-43B3-948B-1728B52AA6E4}">
                 <adec:decorative xmlns:adec="http://schemas.microsoft.com/office/drawing/2017/decorative" val="1"/>
@@ -9933,7 +11236,7 @@
         <p:spPr>
           <a:xfrm>
             <a:off x="950614" y="965196"/>
-            <a:ext cx="6476539" cy="4781641"/>
+            <a:ext cx="5042779" cy="4781641"/>
           </a:xfrm>
           <a:prstGeom prst="rect">
             <a:avLst/>
@@ -9943,7 +11246,7 @@
           </a:solidFill>
           <a:ln w="190500">
             <a:solidFill>
-              <a:srgbClr val="FFFFFF">
+              <a:srgbClr val="F2F2F2">
                 <a:alpha val="7000"/>
               </a:srgbClr>
             </a:solidFill>
@@ -9979,7 +11282,7 @@
           <p:cNvPr id="5" name="Picture 4" descr="Chart, bar chart&#10;&#10;Description automatically generated">
             <a:extLst>
               <a:ext uri="{FF2B5EF4-FFF2-40B4-BE49-F238E27FC236}">
-                <a16:creationId xmlns:a16="http://schemas.microsoft.com/office/drawing/2014/main" id="{E9E92BA3-46F3-4F38-A235-EBD69259377E}"/>
+                <a16:creationId xmlns:a16="http://schemas.microsoft.com/office/drawing/2014/main" id="{E1525CC6-A872-4D89-BE80-216A0ED3DF6A}"/>
               </a:ext>
             </a:extLst>
           </p:cNvPr>
@@ -9996,8 +11299,8 @@
         </p:blipFill>
         <p:spPr>
           <a:xfrm>
-            <a:off x="1380489" y="1868173"/>
-            <a:ext cx="5562032" cy="2975687"/>
+            <a:off x="1380489" y="2248494"/>
+            <a:ext cx="4140271" cy="2215045"/>
           </a:xfrm>
           <a:prstGeom prst="rect">
             <a:avLst/>
@@ -10007,7 +11310,7 @@
     </p:spTree>
     <p:extLst>
       <p:ext uri="{BB962C8B-B14F-4D97-AF65-F5344CB8AC3E}">
-        <p14:creationId xmlns:p14="http://schemas.microsoft.com/office/powerpoint/2010/main" val="1182196338"/>
+        <p14:creationId xmlns:p14="http://schemas.microsoft.com/office/powerpoint/2010/main" val="1433402431"/>
       </p:ext>
     </p:extLst>
   </p:cSld>
@@ -10055,10 +11358,10 @@
       </p:grpSpPr>
       <p:sp useBgFill="1">
         <p:nvSpPr>
-          <p:cNvPr id="10" name="Rectangle 9">
+          <p:cNvPr id="13" name="Rectangle 9">
             <a:extLst>
               <a:ext uri="{FF2B5EF4-FFF2-40B4-BE49-F238E27FC236}">
-                <a16:creationId xmlns:a16="http://schemas.microsoft.com/office/drawing/2014/main" id="{6540ED7E-4309-4CF9-9C8D-82E304E02832}"/>
+                <a16:creationId xmlns:a16="http://schemas.microsoft.com/office/drawing/2014/main" id="{8E482A67-6CD8-49D7-9F85-52ECF99152D0}"/>
               </a:ext>
               <a:ext uri="{C183D7F6-B498-43B3-948B-1728B52AA6E4}">
                 <adec:decorative xmlns:adec="http://schemas.microsoft.com/office/drawing/2017/decorative" val="1"/>
@@ -10118,7 +11421,7 @@
           <p:cNvPr id="2" name="Title 1">
             <a:extLst>
               <a:ext uri="{FF2B5EF4-FFF2-40B4-BE49-F238E27FC236}">
-                <a16:creationId xmlns:a16="http://schemas.microsoft.com/office/drawing/2014/main" id="{20CF5BCF-EDBC-4B1F-8E5C-56D1DC6BD256}"/>
+                <a16:creationId xmlns:a16="http://schemas.microsoft.com/office/drawing/2014/main" id="{2E31F0C3-B571-446B-B508-58FFB62023DF}"/>
               </a:ext>
             </a:extLst>
           </p:cNvPr>
@@ -10131,8 +11434,8 @@
         </p:nvSpPr>
         <p:spPr>
           <a:xfrm>
-            <a:off x="6621928" y="965196"/>
-            <a:ext cx="4703484" cy="2633145"/>
+            <a:off x="8050305" y="965196"/>
+            <a:ext cx="3131671" cy="2633146"/>
           </a:xfrm>
         </p:spPr>
         <p:txBody>
@@ -10141,9 +11444,10 @@
           </a:bodyPr>
           <a:lstStyle/>
           <a:p>
+            <a:pPr algn="l"/>
             <a:r>
-              <a:rPr lang="en-US" sz="5400"/>
-              <a:t>Drug Offences spike on Saturdays</a:t>
+              <a:rPr lang="en-US" sz="3700"/>
+              <a:t>25 to 34 years are the most likely to commit an offence</a:t>
             </a:r>
           </a:p>
         </p:txBody>
@@ -10153,7 +11457,7 @@
           <p:cNvPr id="12" name="Rectangle 11">
             <a:extLst>
               <a:ext uri="{FF2B5EF4-FFF2-40B4-BE49-F238E27FC236}">
-                <a16:creationId xmlns:a16="http://schemas.microsoft.com/office/drawing/2014/main" id="{CA8ACC6B-EC7C-4E3C-8D08-C0A3AA40779C}"/>
+                <a16:creationId xmlns:a16="http://schemas.microsoft.com/office/drawing/2014/main" id="{418F941B-B7E9-44F2-9A2C-5D35ACF9A678}"/>
               </a:ext>
               <a:ext uri="{C183D7F6-B498-43B3-948B-1728B52AA6E4}">
                 <adec:decorative xmlns:adec="http://schemas.microsoft.com/office/drawing/2017/decorative" val="1"/>
@@ -10174,7 +11478,7 @@
         <p:spPr>
           <a:xfrm>
             <a:off x="950614" y="965196"/>
-            <a:ext cx="5042779" cy="4781641"/>
+            <a:ext cx="6476539" cy="4781641"/>
           </a:xfrm>
           <a:prstGeom prst="rect">
             <a:avLst/>
@@ -10184,7 +11488,7 @@
           </a:solidFill>
           <a:ln w="190500">
             <a:solidFill>
-              <a:srgbClr val="F2F2F2">
+              <a:srgbClr val="FFFFFF">
                 <a:alpha val="7000"/>
               </a:srgbClr>
             </a:solidFill>
@@ -10217,10 +11521,10 @@
       </p:sp>
       <p:pic>
         <p:nvPicPr>
-          <p:cNvPr id="5" name="Picture 4" descr="Chart, bar chart&#10;&#10;Description automatically generated">
+          <p:cNvPr id="5" name="Picture 4" descr="Chart&#10;&#10;Description automatically generated">
             <a:extLst>
               <a:ext uri="{FF2B5EF4-FFF2-40B4-BE49-F238E27FC236}">
-                <a16:creationId xmlns:a16="http://schemas.microsoft.com/office/drawing/2014/main" id="{E1525CC6-A872-4D89-BE80-216A0ED3DF6A}"/>
+                <a16:creationId xmlns:a16="http://schemas.microsoft.com/office/drawing/2014/main" id="{AA91A933-E47B-4F28-913A-0DD9651C28BD}"/>
               </a:ext>
             </a:extLst>
           </p:cNvPr>
@@ -10237,8 +11541,8 @@
         </p:blipFill>
         <p:spPr>
           <a:xfrm>
-            <a:off x="1380489" y="2248494"/>
-            <a:ext cx="4140271" cy="2215045"/>
+            <a:off x="1380489" y="1868173"/>
+            <a:ext cx="5562032" cy="2975687"/>
           </a:xfrm>
           <a:prstGeom prst="rect">
             <a:avLst/>
@@ -10248,7 +11552,7 @@
     </p:spTree>
     <p:extLst>
       <p:ext uri="{BB962C8B-B14F-4D97-AF65-F5344CB8AC3E}">
-        <p14:creationId xmlns:p14="http://schemas.microsoft.com/office/powerpoint/2010/main" val="1433402431"/>
+        <p14:creationId xmlns:p14="http://schemas.microsoft.com/office/powerpoint/2010/main" val="3204108685"/>
       </p:ext>
     </p:extLst>
   </p:cSld>
@@ -10299,7 +11603,7 @@
           <p:cNvPr id="10" name="Rectangle 9">
             <a:extLst>
               <a:ext uri="{FF2B5EF4-FFF2-40B4-BE49-F238E27FC236}">
-                <a16:creationId xmlns:a16="http://schemas.microsoft.com/office/drawing/2014/main" id="{886D4A05-AFD9-4D13-98E7-B23E4C9D785A}"/>
+                <a16:creationId xmlns:a16="http://schemas.microsoft.com/office/drawing/2014/main" id="{8E482A67-6CD8-49D7-9F85-52ECF99152D0}"/>
               </a:ext>
               <a:ext uri="{C183D7F6-B498-43B3-948B-1728B52AA6E4}">
                 <adec:decorative xmlns:adec="http://schemas.microsoft.com/office/drawing/2017/decorative" val="1"/>
@@ -10327,6 +11631,109 @@
           </a:prstGeom>
           <a:ln>
             <a:noFill/>
+          </a:ln>
+        </p:spPr>
+        <p:style>
+          <a:lnRef idx="2">
+            <a:schemeClr val="accent1">
+              <a:shade val="50000"/>
+            </a:schemeClr>
+          </a:lnRef>
+          <a:fillRef idx="1003">
+            <a:schemeClr val="dk2"/>
+          </a:fillRef>
+          <a:effectRef idx="0">
+            <a:schemeClr val="accent1"/>
+          </a:effectRef>
+          <a:fontRef idx="minor">
+            <a:schemeClr val="lt1"/>
+          </a:fontRef>
+        </p:style>
+        <p:txBody>
+          <a:bodyPr rtlCol="0" anchor="ctr"/>
+          <a:lstStyle/>
+          <a:p>
+            <a:pPr algn="ctr"/>
+            <a:endParaRPr lang="en-US"/>
+          </a:p>
+        </p:txBody>
+      </p:sp>
+      <p:sp>
+        <p:nvSpPr>
+          <p:cNvPr id="2" name="Title 1">
+            <a:extLst>
+              <a:ext uri="{FF2B5EF4-FFF2-40B4-BE49-F238E27FC236}">
+                <a16:creationId xmlns:a16="http://schemas.microsoft.com/office/drawing/2014/main" id="{2C73A8D3-60E6-4926-9642-E034BAD19E95}"/>
+              </a:ext>
+            </a:extLst>
+          </p:cNvPr>
+          <p:cNvSpPr>
+            <a:spLocks noGrp="1"/>
+          </p:cNvSpPr>
+          <p:nvPr>
+            <p:ph type="title"/>
+          </p:nvPr>
+        </p:nvSpPr>
+        <p:spPr>
+          <a:xfrm>
+            <a:off x="8050305" y="965196"/>
+            <a:ext cx="3131671" cy="2633146"/>
+          </a:xfrm>
+        </p:spPr>
+        <p:txBody>
+          <a:bodyPr vert="horz" lIns="91440" tIns="45720" rIns="91440" bIns="45720" rtlCol="0" anchor="b">
+            <a:normAutofit/>
+          </a:bodyPr>
+          <a:lstStyle/>
+          <a:p>
+            <a:pPr algn="l"/>
+            <a:r>
+              <a:rPr lang="en-US" sz="3700"/>
+              <a:t>Males commit on average 5-6x more offences than Females</a:t>
+            </a:r>
+          </a:p>
+        </p:txBody>
+      </p:sp>
+      <p:sp>
+        <p:nvSpPr>
+          <p:cNvPr id="12" name="Rectangle 11">
+            <a:extLst>
+              <a:ext uri="{FF2B5EF4-FFF2-40B4-BE49-F238E27FC236}">
+                <a16:creationId xmlns:a16="http://schemas.microsoft.com/office/drawing/2014/main" id="{418F941B-B7E9-44F2-9A2C-5D35ACF9A678}"/>
+              </a:ext>
+              <a:ext uri="{C183D7F6-B498-43B3-948B-1728B52AA6E4}">
+                <adec:decorative xmlns:adec="http://schemas.microsoft.com/office/drawing/2017/decorative" val="1"/>
+              </a:ext>
+            </a:extLst>
+          </p:cNvPr>
+          <p:cNvSpPr>
+            <a:spLocks noGrp="1" noRot="1" noChangeAspect="1" noMove="1" noResize="1" noEditPoints="1" noAdjustHandles="1" noChangeArrowheads="1" noChangeShapeType="1" noTextEdit="1"/>
+          </p:cNvSpPr>
+          <p:nvPr>
+            <p:extLst>
+              <p:ext uri="{386F3935-93C4-4BCD-93E2-E3B085C9AB24}">
+                <p16:designElem xmlns:p16="http://schemas.microsoft.com/office/powerpoint/2015/main" val="1"/>
+              </p:ext>
+            </p:extLst>
+          </p:nvPr>
+        </p:nvSpPr>
+        <p:spPr>
+          <a:xfrm>
+            <a:off x="950614" y="965196"/>
+            <a:ext cx="6476539" cy="4781641"/>
+          </a:xfrm>
+          <a:prstGeom prst="rect">
+            <a:avLst/>
+          </a:prstGeom>
+          <a:solidFill>
+            <a:schemeClr val="tx1"/>
+          </a:solidFill>
+          <a:ln w="190500">
+            <a:solidFill>
+              <a:srgbClr val="FFFFFF">
+                <a:alpha val="7000"/>
+              </a:srgbClr>
+            </a:solidFill>
           </a:ln>
         </p:spPr>
         <p:style>
@@ -10354,47 +11761,12 @@
           </a:p>
         </p:txBody>
       </p:sp>
-      <p:sp>
-        <p:nvSpPr>
-          <p:cNvPr id="2" name="Title 1">
+      <p:pic>
+        <p:nvPicPr>
+          <p:cNvPr id="5" name="Picture 4" descr="Chart, bar chart&#10;&#10;Description automatically generated">
             <a:extLst>
               <a:ext uri="{FF2B5EF4-FFF2-40B4-BE49-F238E27FC236}">
-                <a16:creationId xmlns:a16="http://schemas.microsoft.com/office/drawing/2014/main" id="{84914750-6032-4FA0-A3C5-94776F057D08}"/>
-              </a:ext>
-            </a:extLst>
-          </p:cNvPr>
-          <p:cNvSpPr>
-            <a:spLocks noGrp="1"/>
-          </p:cNvSpPr>
-          <p:nvPr>
-            <p:ph type="title"/>
-          </p:nvPr>
-        </p:nvSpPr>
-        <p:spPr>
-          <a:xfrm>
-            <a:off x="1370693" y="4406537"/>
-            <a:ext cx="9440034" cy="1088336"/>
-          </a:xfrm>
-        </p:spPr>
-        <p:txBody>
-          <a:bodyPr vert="horz" lIns="91440" tIns="45720" rIns="91440" bIns="45720" rtlCol="0" anchor="b">
-            <a:normAutofit/>
-          </a:bodyPr>
-          <a:lstStyle/>
-          <a:p>
-            <a:r>
-              <a:rPr lang="en-US" sz="3400"/>
-              <a:t>An offence is least likely to be committed in the early hours of the morning</a:t>
-            </a:r>
-          </a:p>
-        </p:txBody>
-      </p:sp>
-      <p:pic>
-        <p:nvPicPr>
-          <p:cNvPr id="5" name="Picture 4" descr="Chart, line chart&#10;&#10;Description automatically generated">
-            <a:extLst>
-              <a:ext uri="{FF2B5EF4-FFF2-40B4-BE49-F238E27FC236}">
-                <a16:creationId xmlns:a16="http://schemas.microsoft.com/office/drawing/2014/main" id="{4B29DBAD-49CF-44A8-938F-071B01221A86}"/>
+                <a16:creationId xmlns:a16="http://schemas.microsoft.com/office/drawing/2014/main" id="{E9E92BA3-46F3-4F38-A235-EBD69259377E}"/>
               </a:ext>
             </a:extLst>
           </p:cNvPr>
@@ -10411,8 +11783,8 @@
         </p:blipFill>
         <p:spPr>
           <a:xfrm>
-            <a:off x="3062429" y="643463"/>
-            <a:ext cx="6073929" cy="3249553"/>
+            <a:off x="1380489" y="1868173"/>
+            <a:ext cx="5562032" cy="2975687"/>
           </a:xfrm>
           <a:prstGeom prst="rect">
             <a:avLst/>
@@ -10422,7 +11794,7 @@
     </p:spTree>
     <p:extLst>
       <p:ext uri="{BB962C8B-B14F-4D97-AF65-F5344CB8AC3E}">
-        <p14:creationId xmlns:p14="http://schemas.microsoft.com/office/powerpoint/2010/main" val="1903985191"/>
+        <p14:creationId xmlns:p14="http://schemas.microsoft.com/office/powerpoint/2010/main" val="1182196338"/>
       </p:ext>
     </p:extLst>
   </p:cSld>
@@ -11005,6 +12377,15 @@
 </file>
 
 <file path=customXml/item2.xml><?xml version="1.0" encoding="utf-8"?>
+<?mso-contentType ?>
+<FormTemplates xmlns="http://schemas.microsoft.com/sharepoint/v3/contenttype/forms">
+  <Display>DocumentLibraryForm</Display>
+  <Edit>DocumentLibraryForm</Edit>
+  <New>DocumentLibraryForm</New>
+</FormTemplates>
+</file>
+
+<file path=customXml/item3.xml><?xml version="1.0" encoding="utf-8"?>
 <ct:contentTypeSchema xmlns:ct="http://schemas.microsoft.com/office/2006/metadata/contentType" xmlns:ma="http://schemas.microsoft.com/office/2006/metadata/properties/metaAttributes" ct:_="" ma:_="" ma:contentTypeName="Document" ma:contentTypeID="0x01010079F111ED35F8CC479449609E8A0923A6" ma:contentTypeVersion="12" ma:contentTypeDescription="Create a new document." ma:contentTypeScope="" ma:versionID="a410dd7f93c95333ffa1b60ed6adedd1">
   <xsd:schema xmlns:xsd="http://www.w3.org/2001/XMLSchema" xmlns:xs="http://www.w3.org/2001/XMLSchema" xmlns:p="http://schemas.microsoft.com/office/2006/metadata/properties" xmlns:ns2="71af3243-3dd4-4a8d-8c0d-dd76da1f02a5" xmlns:ns3="16c05727-aa75-4e4a-9b5f-8a80a1165891" targetNamespace="http://schemas.microsoft.com/office/2006/metadata/properties" ma:root="true" ma:fieldsID="a936d9baba76aa3866493feff160faab" ns2:_="" ns3:_="">
     <xsd:import namespace="71af3243-3dd4-4a8d-8c0d-dd76da1f02a5"/>
@@ -11225,15 +12606,6 @@
 </ct:contentTypeSchema>
 </file>
 
-<file path=customXml/item3.xml><?xml version="1.0" encoding="utf-8"?>
-<?mso-contentType ?>
-<FormTemplates xmlns="http://schemas.microsoft.com/sharepoint/v3/contenttype/forms">
-  <Display>DocumentLibraryForm</Display>
-  <Edit>DocumentLibraryForm</Edit>
-  <New>DocumentLibraryForm</New>
-</FormTemplates>
-</file>
-
 <file path=customXml/itemProps1.xml><?xml version="1.0" encoding="utf-8"?>
 <ds:datastoreItem xmlns:ds="http://schemas.openxmlformats.org/officeDocument/2006/customXml" ds:itemID="{2C4C00F4-06E9-43E3-AD97-88A857CEFA82}">
   <ds:schemaRefs>
@@ -11245,6 +12617,14 @@
 </file>
 
 <file path=customXml/itemProps2.xml><?xml version="1.0" encoding="utf-8"?>
+<ds:datastoreItem xmlns:ds="http://schemas.openxmlformats.org/officeDocument/2006/customXml" ds:itemID="{64B270AB-C138-415C-897E-3C24487DECF1}">
+  <ds:schemaRefs>
+    <ds:schemaRef ds:uri="http://schemas.microsoft.com/sharepoint/v3/contenttype/forms"/>
+  </ds:schemaRefs>
+</ds:datastoreItem>
+</file>
+
+<file path=customXml/itemProps3.xml><?xml version="1.0" encoding="utf-8"?>
 <ds:datastoreItem xmlns:ds="http://schemas.openxmlformats.org/officeDocument/2006/customXml" ds:itemID="{0585E981-8C91-4205-A0C3-C991F42B4C9E}">
   <ds:schemaRefs>
     <ds:schemaRef ds:uri="http://schemas.microsoft.com/office/2006/metadata/contentType"/>
@@ -11261,12 +12641,4 @@
     <ds:schemaRef ds:uri="http://schemas.microsoft.com/internal/obd"/>
   </ds:schemaRefs>
 </ds:datastoreItem>
-</file>
-
-<file path=customXml/itemProps3.xml><?xml version="1.0" encoding="utf-8"?>
-<ds:datastoreItem xmlns:ds="http://schemas.openxmlformats.org/officeDocument/2006/customXml" ds:itemID="{64B270AB-C138-415C-897E-3C24487DECF1}">
-  <ds:schemaRefs>
-    <ds:schemaRef ds:uri="http://schemas.microsoft.com/sharepoint/v3/contenttype/forms"/>
-  </ds:schemaRefs>
-</ds:datastoreItem>
 </file>